--- a/documentos/Poster.pptx
+++ b/documentos/Poster.pptx
@@ -1,11 +1,11 @@
 
 <file path=ppt/presentation.xml><?xml version="1.0" encoding="utf-8"?>
-<p:presentation xmlns:a="http://schemas.openxmlformats.org/drawingml/2006/main" xmlns:r="http://schemas.openxmlformats.org/officeDocument/2006/relationships" xmlns:p="http://schemas.openxmlformats.org/presentationml/2006/main" xmlns:m="http://schemas.openxmlformats.org/officeDocument/2006/math" xmlns:w="http://schemas.openxmlformats.org/wordprocessingml/2006/main" autoCompressPictures="0" saveSubsetFonts="1" strictFirstAndLastChars="0">
+<p:presentation xmlns:a="http://schemas.openxmlformats.org/drawingml/2006/main" xmlns:r="http://schemas.openxmlformats.org/officeDocument/2006/relationships" xmlns:p="http://schemas.openxmlformats.org/presentationml/2006/main" strictFirstAndLastChars="0" saveSubsetFonts="1" autoCompressPictures="0">
   <p:sldMasterIdLst>
     <p:sldMasterId id="2147483648" r:id="rId1"/>
   </p:sldMasterIdLst>
   <p:sldIdLst>
-    <p:sldId id="256" r:id="rId3"/>
+    <p:sldId id="256" r:id="rId2"/>
   </p:sldIdLst>
   <p:sldSz cx="32399288" cy="43200638"/>
   <p:notesSz cx="32399288" cy="43200638"/>
@@ -229,17 +229,33 @@
       </a:defRPr>
     </a:lvl9pPr>
   </p:defaultTextStyle>
+  <p:extLst>
+    <p:ext uri="{EFAFB233-063F-42B5-8137-9DF3F51BA10A}">
+      <p15:sldGuideLst xmlns:p15="http://schemas.microsoft.com/office/powerpoint/2012/main">
+        <p15:guide id="1" orient="horz" pos="2160">
+          <p15:clr>
+            <a:srgbClr val="A4A3A4"/>
+          </p15:clr>
+        </p15:guide>
+        <p15:guide id="2" pos="2880">
+          <p15:clr>
+            <a:srgbClr val="A4A3A4"/>
+          </p15:clr>
+        </p15:guide>
+      </p15:sldGuideLst>
+    </p:ext>
+  </p:extLst>
 </p:presentation>
 </file>
 
 <file path=ppt/slideLayouts/slideLayout1.xml><?xml version="1.0" encoding="utf-8"?>
-<p:sldLayout xmlns:a="http://schemas.openxmlformats.org/drawingml/2006/main" xmlns:r="http://schemas.openxmlformats.org/officeDocument/2006/relationships" xmlns:p="http://schemas.openxmlformats.org/presentationml/2006/main" xmlns:m="http://schemas.openxmlformats.org/officeDocument/2006/math" xmlns:w="http://schemas.openxmlformats.org/wordprocessingml/2006/main" matchingName="Diapositiva de título" preserve="0" showMasterPhAnim="0" type="title" userDrawn="1">
+<p:sldLayout xmlns:a="http://schemas.openxmlformats.org/drawingml/2006/main" xmlns:r="http://schemas.openxmlformats.org/officeDocument/2006/relationships" xmlns:p="http://schemas.openxmlformats.org/presentationml/2006/main" showMasterPhAnim="0" matchingName="Diapositiva de título" type="title" userDrawn="1">
   <p:cSld name="TITLE">
     <p:spTree>
       <p:nvGrpSpPr>
-        <p:cNvPr id="1" name="" hidden="0"/>
+        <p:cNvPr id="1" name=""/>
         <p:cNvGrpSpPr/>
-        <p:nvPr isPhoto="0" userDrawn="0"/>
+        <p:nvPr/>
       </p:nvGrpSpPr>
       <p:grpSpPr bwMode="auto">
         <a:xfrm>
@@ -251,12 +267,12 @@
       </p:grpSpPr>
       <p:sp>
         <p:nvSpPr>
-          <p:cNvPr id="12" name="Google Shape;12;p3" hidden="0"/>
+          <p:cNvPr id="12" name="Google Shape;12;p3"/>
           <p:cNvSpPr txBox="1">
             <a:spLocks noGrp="1"/>
           </p:cNvSpPr>
-          <p:nvPr isPhoto="0" userDrawn="0">
-            <p:ph type="ctrTitle" hasCustomPrompt="0"/>
+          <p:nvPr>
+            <p:ph type="ctrTitle"/>
           </p:nvPr>
         </p:nvSpPr>
         <p:spPr bwMode="auto">
@@ -394,12 +410,12 @@
       </p:sp>
       <p:sp>
         <p:nvSpPr>
-          <p:cNvPr id="13" name="Google Shape;13;p3" hidden="0"/>
+          <p:cNvPr id="13" name="Google Shape;13;p3"/>
           <p:cNvSpPr txBox="1">
             <a:spLocks noGrp="1"/>
           </p:cNvSpPr>
-          <p:nvPr isPhoto="0" userDrawn="0">
-            <p:ph type="subTitle" idx="1" hasCustomPrompt="0"/>
+          <p:nvPr>
+            <p:ph type="subTitle" idx="1"/>
           </p:nvPr>
         </p:nvSpPr>
         <p:spPr bwMode="auto">
@@ -584,12 +600,12 @@
       </p:sp>
       <p:sp>
         <p:nvSpPr>
-          <p:cNvPr id="14" name="Google Shape;14;p3" hidden="0"/>
+          <p:cNvPr id="14" name="Google Shape;14;p3"/>
           <p:cNvSpPr txBox="1">
             <a:spLocks noGrp="1"/>
           </p:cNvSpPr>
-          <p:nvPr isPhoto="0" userDrawn="0">
-            <p:ph type="dt" idx="10" hasCustomPrompt="0"/>
+          <p:nvPr>
+            <p:ph type="dt" idx="10"/>
           </p:nvPr>
         </p:nvSpPr>
         <p:spPr bwMode="auto">
@@ -720,12 +736,12 @@
       </p:sp>
       <p:sp>
         <p:nvSpPr>
-          <p:cNvPr id="15" name="Google Shape;15;p3" hidden="0"/>
+          <p:cNvPr id="15" name="Google Shape;15;p3"/>
           <p:cNvSpPr txBox="1">
             <a:spLocks noGrp="1"/>
           </p:cNvSpPr>
-          <p:nvPr isPhoto="0" userDrawn="0">
-            <p:ph type="ftr" idx="11" hasCustomPrompt="0"/>
+          <p:nvPr>
+            <p:ph type="ftr" idx="11"/>
           </p:nvPr>
         </p:nvSpPr>
         <p:spPr bwMode="auto">
@@ -856,12 +872,12 @@
       </p:sp>
       <p:sp>
         <p:nvSpPr>
-          <p:cNvPr id="16" name="Google Shape;16;p3" hidden="0"/>
+          <p:cNvPr id="16" name="Google Shape;16;p3"/>
           <p:cNvSpPr txBox="1">
             <a:spLocks noGrp="1"/>
           </p:cNvSpPr>
-          <p:nvPr isPhoto="0" userDrawn="0">
-            <p:ph type="sldNum" idx="12" hasCustomPrompt="0"/>
+          <p:nvPr>
+            <p:ph type="sldNum" idx="12"/>
           </p:nvPr>
         </p:nvSpPr>
         <p:spPr bwMode="auto">
@@ -959,7 +975,7 @@
             </a:pPr>
             <a:fld id="{00000000-1234-1234-1234-123412341234}" type="slidenum">
               <a:rPr/>
-              <a:t/>
+              <a:t>‹Nº›</a:t>
             </a:fld>
             <a:endParaRPr/>
           </a:p>
@@ -974,13 +990,13 @@
 </file>
 
 <file path=ppt/slideLayouts/slideLayout10.xml><?xml version="1.0" encoding="utf-8"?>
-<p:sldLayout xmlns:a="http://schemas.openxmlformats.org/drawingml/2006/main" xmlns:r="http://schemas.openxmlformats.org/officeDocument/2006/relationships" xmlns:p="http://schemas.openxmlformats.org/presentationml/2006/main" xmlns:m="http://schemas.openxmlformats.org/officeDocument/2006/math" xmlns:w="http://schemas.openxmlformats.org/wordprocessingml/2006/main" matchingName="Título y texto vertical" preserve="0" showMasterPhAnim="0" type="vertTx" userDrawn="1">
+<p:sldLayout xmlns:a="http://schemas.openxmlformats.org/drawingml/2006/main" xmlns:r="http://schemas.openxmlformats.org/officeDocument/2006/relationships" xmlns:p="http://schemas.openxmlformats.org/presentationml/2006/main" showMasterPhAnim="0" matchingName="Título y texto vertical" type="vertTx" userDrawn="1">
   <p:cSld name="VERTICAL_TEXT">
     <p:spTree>
       <p:nvGrpSpPr>
-        <p:cNvPr id="1" name="" hidden="0"/>
+        <p:cNvPr id="1" name=""/>
         <p:cNvGrpSpPr/>
-        <p:nvPr isPhoto="0" userDrawn="0"/>
+        <p:nvPr/>
       </p:nvGrpSpPr>
       <p:grpSpPr bwMode="auto">
         <a:xfrm>
@@ -992,12 +1008,12 @@
       </p:grpSpPr>
       <p:sp>
         <p:nvSpPr>
-          <p:cNvPr id="69" name="Google Shape;69;p12" hidden="0"/>
+          <p:cNvPr id="69" name="Google Shape;69;p12"/>
           <p:cNvSpPr txBox="1">
             <a:spLocks noGrp="1"/>
           </p:cNvSpPr>
-          <p:nvPr isPhoto="0" userDrawn="0">
-            <p:ph type="title" hasCustomPrompt="0"/>
+          <p:nvPr>
+            <p:ph type="title"/>
           </p:nvPr>
         </p:nvSpPr>
         <p:spPr bwMode="auto">
@@ -1134,12 +1150,12 @@
       </p:sp>
       <p:sp>
         <p:nvSpPr>
-          <p:cNvPr id="70" name="Google Shape;70;p12" hidden="0"/>
+          <p:cNvPr id="70" name="Google Shape;70;p12"/>
           <p:cNvSpPr txBox="1">
             <a:spLocks noGrp="1"/>
           </p:cNvSpPr>
-          <p:nvPr isPhoto="0" userDrawn="0">
-            <p:ph type="body" idx="1" hasCustomPrompt="0"/>
+          <p:nvPr>
+            <p:ph type="body" idx="1"/>
           </p:nvPr>
         </p:nvSpPr>
         <p:spPr bwMode="auto">
@@ -1324,12 +1340,12 @@
       </p:sp>
       <p:sp>
         <p:nvSpPr>
-          <p:cNvPr id="71" name="Google Shape;71;p12" hidden="0"/>
+          <p:cNvPr id="71" name="Google Shape;71;p12"/>
           <p:cNvSpPr txBox="1">
             <a:spLocks noGrp="1"/>
           </p:cNvSpPr>
-          <p:nvPr isPhoto="0" userDrawn="0">
-            <p:ph type="dt" idx="10" hasCustomPrompt="0"/>
+          <p:nvPr>
+            <p:ph type="dt" idx="10"/>
           </p:nvPr>
         </p:nvSpPr>
         <p:spPr bwMode="auto">
@@ -1460,12 +1476,12 @@
       </p:sp>
       <p:sp>
         <p:nvSpPr>
-          <p:cNvPr id="72" name="Google Shape;72;p12" hidden="0"/>
+          <p:cNvPr id="72" name="Google Shape;72;p12"/>
           <p:cNvSpPr txBox="1">
             <a:spLocks noGrp="1"/>
           </p:cNvSpPr>
-          <p:nvPr isPhoto="0" userDrawn="0">
-            <p:ph type="ftr" idx="11" hasCustomPrompt="0"/>
+          <p:nvPr>
+            <p:ph type="ftr" idx="11"/>
           </p:nvPr>
         </p:nvSpPr>
         <p:spPr bwMode="auto">
@@ -1596,12 +1612,12 @@
       </p:sp>
       <p:sp>
         <p:nvSpPr>
-          <p:cNvPr id="73" name="Google Shape;73;p12" hidden="0"/>
+          <p:cNvPr id="73" name="Google Shape;73;p12"/>
           <p:cNvSpPr txBox="1">
             <a:spLocks noGrp="1"/>
           </p:cNvSpPr>
-          <p:nvPr isPhoto="0" userDrawn="0">
-            <p:ph type="sldNum" idx="12" hasCustomPrompt="0"/>
+          <p:nvPr>
+            <p:ph type="sldNum" idx="12"/>
           </p:nvPr>
         </p:nvSpPr>
         <p:spPr bwMode="auto">
@@ -1699,7 +1715,7 @@
             </a:pPr>
             <a:fld id="{00000000-1234-1234-1234-123412341234}" type="slidenum">
               <a:rPr/>
-              <a:t/>
+              <a:t>‹Nº›</a:t>
             </a:fld>
             <a:endParaRPr/>
           </a:p>
@@ -1714,13 +1730,13 @@
 </file>
 
 <file path=ppt/slideLayouts/slideLayout11.xml><?xml version="1.0" encoding="utf-8"?>
-<p:sldLayout xmlns:a="http://schemas.openxmlformats.org/drawingml/2006/main" xmlns:r="http://schemas.openxmlformats.org/officeDocument/2006/relationships" xmlns:p="http://schemas.openxmlformats.org/presentationml/2006/main" xmlns:m="http://schemas.openxmlformats.org/officeDocument/2006/math" xmlns:w="http://schemas.openxmlformats.org/wordprocessingml/2006/main" matchingName="Título vertical y texto" preserve="0" showMasterPhAnim="0" type="vertTitleAndTx" userDrawn="1">
+<p:sldLayout xmlns:a="http://schemas.openxmlformats.org/drawingml/2006/main" xmlns:r="http://schemas.openxmlformats.org/officeDocument/2006/relationships" xmlns:p="http://schemas.openxmlformats.org/presentationml/2006/main" showMasterPhAnim="0" matchingName="Título vertical y texto" type="vertTitleAndTx" userDrawn="1">
   <p:cSld name="VERTICAL_TITLE_AND_VERTICAL_TEXT">
     <p:spTree>
       <p:nvGrpSpPr>
-        <p:cNvPr id="1" name="" hidden="0"/>
+        <p:cNvPr id="1" name=""/>
         <p:cNvGrpSpPr/>
-        <p:nvPr isPhoto="0" userDrawn="0"/>
+        <p:nvPr/>
       </p:nvGrpSpPr>
       <p:grpSpPr bwMode="auto">
         <a:xfrm>
@@ -1732,12 +1748,12 @@
       </p:grpSpPr>
       <p:sp>
         <p:nvSpPr>
-          <p:cNvPr id="75" name="Google Shape;75;p13" hidden="0"/>
+          <p:cNvPr id="75" name="Google Shape;75;p13"/>
           <p:cNvSpPr txBox="1">
             <a:spLocks noGrp="1"/>
           </p:cNvSpPr>
-          <p:nvPr isPhoto="0" userDrawn="0">
-            <p:ph type="title" hasCustomPrompt="0"/>
+          <p:nvPr>
+            <p:ph type="title"/>
           </p:nvPr>
         </p:nvSpPr>
         <p:spPr bwMode="auto">
@@ -1874,12 +1890,12 @@
       </p:sp>
       <p:sp>
         <p:nvSpPr>
-          <p:cNvPr id="76" name="Google Shape;76;p13" hidden="0"/>
+          <p:cNvPr id="76" name="Google Shape;76;p13"/>
           <p:cNvSpPr txBox="1">
             <a:spLocks noGrp="1"/>
           </p:cNvSpPr>
-          <p:nvPr isPhoto="0" userDrawn="0">
-            <p:ph type="body" idx="1" hasCustomPrompt="0"/>
+          <p:nvPr>
+            <p:ph type="body" idx="1"/>
           </p:nvPr>
         </p:nvSpPr>
         <p:spPr bwMode="auto">
@@ -2064,12 +2080,12 @@
       </p:sp>
       <p:sp>
         <p:nvSpPr>
-          <p:cNvPr id="77" name="Google Shape;77;p13" hidden="0"/>
+          <p:cNvPr id="77" name="Google Shape;77;p13"/>
           <p:cNvSpPr txBox="1">
             <a:spLocks noGrp="1"/>
           </p:cNvSpPr>
-          <p:nvPr isPhoto="0" userDrawn="0">
-            <p:ph type="dt" idx="10" hasCustomPrompt="0"/>
+          <p:nvPr>
+            <p:ph type="dt" idx="10"/>
           </p:nvPr>
         </p:nvSpPr>
         <p:spPr bwMode="auto">
@@ -2200,12 +2216,12 @@
       </p:sp>
       <p:sp>
         <p:nvSpPr>
-          <p:cNvPr id="78" name="Google Shape;78;p13" hidden="0"/>
+          <p:cNvPr id="78" name="Google Shape;78;p13"/>
           <p:cNvSpPr txBox="1">
             <a:spLocks noGrp="1"/>
           </p:cNvSpPr>
-          <p:nvPr isPhoto="0" userDrawn="0">
-            <p:ph type="ftr" idx="11" hasCustomPrompt="0"/>
+          <p:nvPr>
+            <p:ph type="ftr" idx="11"/>
           </p:nvPr>
         </p:nvSpPr>
         <p:spPr bwMode="auto">
@@ -2336,12 +2352,12 @@
       </p:sp>
       <p:sp>
         <p:nvSpPr>
-          <p:cNvPr id="79" name="Google Shape;79;p13" hidden="0"/>
+          <p:cNvPr id="79" name="Google Shape;79;p13"/>
           <p:cNvSpPr txBox="1">
             <a:spLocks noGrp="1"/>
           </p:cNvSpPr>
-          <p:nvPr isPhoto="0" userDrawn="0">
-            <p:ph type="sldNum" idx="12" hasCustomPrompt="0"/>
+          <p:nvPr>
+            <p:ph type="sldNum" idx="12"/>
           </p:nvPr>
         </p:nvSpPr>
         <p:spPr bwMode="auto">
@@ -2439,7 +2455,7 @@
             </a:pPr>
             <a:fld id="{00000000-1234-1234-1234-123412341234}" type="slidenum">
               <a:rPr/>
-              <a:t/>
+              <a:t>‹Nº›</a:t>
             </a:fld>
             <a:endParaRPr/>
           </a:p>
@@ -2454,13 +2470,13 @@
 </file>
 
 <file path=ppt/slideLayouts/slideLayout2.xml><?xml version="1.0" encoding="utf-8"?>
-<p:sldLayout xmlns:a="http://schemas.openxmlformats.org/drawingml/2006/main" xmlns:r="http://schemas.openxmlformats.org/officeDocument/2006/relationships" xmlns:p="http://schemas.openxmlformats.org/presentationml/2006/main" xmlns:m="http://schemas.openxmlformats.org/officeDocument/2006/math" xmlns:w="http://schemas.openxmlformats.org/wordprocessingml/2006/main" matchingName="Título y objetos" preserve="0" showMasterPhAnim="0" type="obj" userDrawn="1">
+<p:sldLayout xmlns:a="http://schemas.openxmlformats.org/drawingml/2006/main" xmlns:r="http://schemas.openxmlformats.org/officeDocument/2006/relationships" xmlns:p="http://schemas.openxmlformats.org/presentationml/2006/main" showMasterPhAnim="0" matchingName="Título y objetos" type="obj" userDrawn="1">
   <p:cSld name="OBJECT">
     <p:spTree>
       <p:nvGrpSpPr>
-        <p:cNvPr id="1" name="" hidden="0"/>
+        <p:cNvPr id="1" name=""/>
         <p:cNvGrpSpPr/>
-        <p:nvPr isPhoto="0" userDrawn="0"/>
+        <p:nvPr/>
       </p:nvGrpSpPr>
       <p:grpSpPr bwMode="auto">
         <a:xfrm>
@@ -2472,12 +2488,12 @@
       </p:grpSpPr>
       <p:sp>
         <p:nvSpPr>
-          <p:cNvPr id="18" name="Google Shape;18;p4" hidden="0"/>
+          <p:cNvPr id="18" name="Google Shape;18;p4"/>
           <p:cNvSpPr txBox="1">
             <a:spLocks noGrp="1"/>
           </p:cNvSpPr>
-          <p:nvPr isPhoto="0" userDrawn="0">
-            <p:ph type="title" hasCustomPrompt="0"/>
+          <p:nvPr>
+            <p:ph type="title"/>
           </p:nvPr>
         </p:nvSpPr>
         <p:spPr bwMode="auto">
@@ -2614,12 +2630,12 @@
       </p:sp>
       <p:sp>
         <p:nvSpPr>
-          <p:cNvPr id="19" name="Google Shape;19;p4" hidden="0"/>
+          <p:cNvPr id="19" name="Google Shape;19;p4"/>
           <p:cNvSpPr txBox="1">
             <a:spLocks noGrp="1"/>
           </p:cNvSpPr>
-          <p:nvPr isPhoto="0" userDrawn="0">
-            <p:ph type="body" idx="1" hasCustomPrompt="0"/>
+          <p:nvPr>
+            <p:ph type="body" idx="1"/>
           </p:nvPr>
         </p:nvSpPr>
         <p:spPr bwMode="auto">
@@ -2804,12 +2820,12 @@
       </p:sp>
       <p:sp>
         <p:nvSpPr>
-          <p:cNvPr id="20" name="Google Shape;20;p4" hidden="0"/>
+          <p:cNvPr id="20" name="Google Shape;20;p4"/>
           <p:cNvSpPr txBox="1">
             <a:spLocks noGrp="1"/>
           </p:cNvSpPr>
-          <p:nvPr isPhoto="0" userDrawn="0">
-            <p:ph type="dt" idx="10" hasCustomPrompt="0"/>
+          <p:nvPr>
+            <p:ph type="dt" idx="10"/>
           </p:nvPr>
         </p:nvSpPr>
         <p:spPr bwMode="auto">
@@ -2940,12 +2956,12 @@
       </p:sp>
       <p:sp>
         <p:nvSpPr>
-          <p:cNvPr id="21" name="Google Shape;21;p4" hidden="0"/>
+          <p:cNvPr id="21" name="Google Shape;21;p4"/>
           <p:cNvSpPr txBox="1">
             <a:spLocks noGrp="1"/>
           </p:cNvSpPr>
-          <p:nvPr isPhoto="0" userDrawn="0">
-            <p:ph type="ftr" idx="11" hasCustomPrompt="0"/>
+          <p:nvPr>
+            <p:ph type="ftr" idx="11"/>
           </p:nvPr>
         </p:nvSpPr>
         <p:spPr bwMode="auto">
@@ -3076,12 +3092,12 @@
       </p:sp>
       <p:sp>
         <p:nvSpPr>
-          <p:cNvPr id="22" name="Google Shape;22;p4" hidden="0"/>
+          <p:cNvPr id="22" name="Google Shape;22;p4"/>
           <p:cNvSpPr txBox="1">
             <a:spLocks noGrp="1"/>
           </p:cNvSpPr>
-          <p:nvPr isPhoto="0" userDrawn="0">
-            <p:ph type="sldNum" idx="12" hasCustomPrompt="0"/>
+          <p:nvPr>
+            <p:ph type="sldNum" idx="12"/>
           </p:nvPr>
         </p:nvSpPr>
         <p:spPr bwMode="auto">
@@ -3179,7 +3195,7 @@
             </a:pPr>
             <a:fld id="{00000000-1234-1234-1234-123412341234}" type="slidenum">
               <a:rPr/>
-              <a:t/>
+              <a:t>‹Nº›</a:t>
             </a:fld>
             <a:endParaRPr/>
           </a:p>
@@ -3194,13 +3210,13 @@
 </file>
 
 <file path=ppt/slideLayouts/slideLayout3.xml><?xml version="1.0" encoding="utf-8"?>
-<p:sldLayout xmlns:a="http://schemas.openxmlformats.org/drawingml/2006/main" xmlns:r="http://schemas.openxmlformats.org/officeDocument/2006/relationships" xmlns:p="http://schemas.openxmlformats.org/presentationml/2006/main" xmlns:m="http://schemas.openxmlformats.org/officeDocument/2006/math" xmlns:w="http://schemas.openxmlformats.org/wordprocessingml/2006/main" matchingName="Encabezado de sección" preserve="0" showMasterPhAnim="0" type="secHead" userDrawn="1">
+<p:sldLayout xmlns:a="http://schemas.openxmlformats.org/drawingml/2006/main" xmlns:r="http://schemas.openxmlformats.org/officeDocument/2006/relationships" xmlns:p="http://schemas.openxmlformats.org/presentationml/2006/main" showMasterPhAnim="0" matchingName="Encabezado de sección" type="secHead" userDrawn="1">
   <p:cSld name="SECTION_HEADER">
     <p:spTree>
       <p:nvGrpSpPr>
-        <p:cNvPr id="1" name="" hidden="0"/>
+        <p:cNvPr id="1" name=""/>
         <p:cNvGrpSpPr/>
-        <p:nvPr isPhoto="0" userDrawn="0"/>
+        <p:nvPr/>
       </p:nvGrpSpPr>
       <p:grpSpPr bwMode="auto">
         <a:xfrm>
@@ -3212,12 +3228,12 @@
       </p:grpSpPr>
       <p:sp>
         <p:nvSpPr>
-          <p:cNvPr id="24" name="Google Shape;24;p5" hidden="0"/>
+          <p:cNvPr id="24" name="Google Shape;24;p5"/>
           <p:cNvSpPr txBox="1">
             <a:spLocks noGrp="1"/>
           </p:cNvSpPr>
-          <p:nvPr isPhoto="0" userDrawn="0">
-            <p:ph type="title" hasCustomPrompt="0"/>
+          <p:nvPr>
+            <p:ph type="title"/>
           </p:nvPr>
         </p:nvSpPr>
         <p:spPr bwMode="auto">
@@ -3355,12 +3371,12 @@
       </p:sp>
       <p:sp>
         <p:nvSpPr>
-          <p:cNvPr id="25" name="Google Shape;25;p5" hidden="0"/>
+          <p:cNvPr id="25" name="Google Shape;25;p5"/>
           <p:cNvSpPr txBox="1">
             <a:spLocks noGrp="1"/>
           </p:cNvSpPr>
-          <p:nvPr isPhoto="0" userDrawn="0">
-            <p:ph type="body" idx="1" hasCustomPrompt="0"/>
+          <p:nvPr>
+            <p:ph type="body" idx="1"/>
           </p:nvPr>
         </p:nvSpPr>
         <p:spPr bwMode="auto">
@@ -3581,12 +3597,12 @@
       </p:sp>
       <p:sp>
         <p:nvSpPr>
-          <p:cNvPr id="26" name="Google Shape;26;p5" hidden="0"/>
+          <p:cNvPr id="26" name="Google Shape;26;p5"/>
           <p:cNvSpPr txBox="1">
             <a:spLocks noGrp="1"/>
           </p:cNvSpPr>
-          <p:nvPr isPhoto="0" userDrawn="0">
-            <p:ph type="dt" idx="10" hasCustomPrompt="0"/>
+          <p:nvPr>
+            <p:ph type="dt" idx="10"/>
           </p:nvPr>
         </p:nvSpPr>
         <p:spPr bwMode="auto">
@@ -3717,12 +3733,12 @@
       </p:sp>
       <p:sp>
         <p:nvSpPr>
-          <p:cNvPr id="27" name="Google Shape;27;p5" hidden="0"/>
+          <p:cNvPr id="27" name="Google Shape;27;p5"/>
           <p:cNvSpPr txBox="1">
             <a:spLocks noGrp="1"/>
           </p:cNvSpPr>
-          <p:nvPr isPhoto="0" userDrawn="0">
-            <p:ph type="ftr" idx="11" hasCustomPrompt="0"/>
+          <p:nvPr>
+            <p:ph type="ftr" idx="11"/>
           </p:nvPr>
         </p:nvSpPr>
         <p:spPr bwMode="auto">
@@ -3853,12 +3869,12 @@
       </p:sp>
       <p:sp>
         <p:nvSpPr>
-          <p:cNvPr id="28" name="Google Shape;28;p5" hidden="0"/>
+          <p:cNvPr id="28" name="Google Shape;28;p5"/>
           <p:cNvSpPr txBox="1">
             <a:spLocks noGrp="1"/>
           </p:cNvSpPr>
-          <p:nvPr isPhoto="0" userDrawn="0">
-            <p:ph type="sldNum" idx="12" hasCustomPrompt="0"/>
+          <p:nvPr>
+            <p:ph type="sldNum" idx="12"/>
           </p:nvPr>
         </p:nvSpPr>
         <p:spPr bwMode="auto">
@@ -3956,7 +3972,7 @@
             </a:pPr>
             <a:fld id="{00000000-1234-1234-1234-123412341234}" type="slidenum">
               <a:rPr/>
-              <a:t/>
+              <a:t>‹Nº›</a:t>
             </a:fld>
             <a:endParaRPr/>
           </a:p>
@@ -3971,13 +3987,13 @@
 </file>
 
 <file path=ppt/slideLayouts/slideLayout4.xml><?xml version="1.0" encoding="utf-8"?>
-<p:sldLayout xmlns:a="http://schemas.openxmlformats.org/drawingml/2006/main" xmlns:r="http://schemas.openxmlformats.org/officeDocument/2006/relationships" xmlns:p="http://schemas.openxmlformats.org/presentationml/2006/main" xmlns:m="http://schemas.openxmlformats.org/officeDocument/2006/math" xmlns:w="http://schemas.openxmlformats.org/wordprocessingml/2006/main" matchingName="Dos objetos" preserve="0" showMasterPhAnim="0" type="twoObj" userDrawn="1">
+<p:sldLayout xmlns:a="http://schemas.openxmlformats.org/drawingml/2006/main" xmlns:r="http://schemas.openxmlformats.org/officeDocument/2006/relationships" xmlns:p="http://schemas.openxmlformats.org/presentationml/2006/main" showMasterPhAnim="0" matchingName="Dos objetos" type="twoObj" userDrawn="1">
   <p:cSld name="TWO_OBJECTS">
     <p:spTree>
       <p:nvGrpSpPr>
-        <p:cNvPr id="1" name="" hidden="0"/>
+        <p:cNvPr id="1" name=""/>
         <p:cNvGrpSpPr/>
-        <p:nvPr isPhoto="0" userDrawn="0"/>
+        <p:nvPr/>
       </p:nvGrpSpPr>
       <p:grpSpPr bwMode="auto">
         <a:xfrm>
@@ -3989,12 +4005,12 @@
       </p:grpSpPr>
       <p:sp>
         <p:nvSpPr>
-          <p:cNvPr id="30" name="Google Shape;30;p6" hidden="0"/>
+          <p:cNvPr id="30" name="Google Shape;30;p6"/>
           <p:cNvSpPr txBox="1">
             <a:spLocks noGrp="1"/>
           </p:cNvSpPr>
-          <p:nvPr isPhoto="0" userDrawn="0">
-            <p:ph type="title" hasCustomPrompt="0"/>
+          <p:nvPr>
+            <p:ph type="title"/>
           </p:nvPr>
         </p:nvSpPr>
         <p:spPr bwMode="auto">
@@ -4131,12 +4147,12 @@
       </p:sp>
       <p:sp>
         <p:nvSpPr>
-          <p:cNvPr id="31" name="Google Shape;31;p6" hidden="0"/>
+          <p:cNvPr id="31" name="Google Shape;31;p6"/>
           <p:cNvSpPr txBox="1">
             <a:spLocks noGrp="1"/>
           </p:cNvSpPr>
-          <p:nvPr isPhoto="0" userDrawn="0">
-            <p:ph type="body" idx="1" hasCustomPrompt="0"/>
+          <p:nvPr>
+            <p:ph type="body" idx="1"/>
           </p:nvPr>
         </p:nvSpPr>
         <p:spPr bwMode="auto">
@@ -4321,12 +4337,12 @@
       </p:sp>
       <p:sp>
         <p:nvSpPr>
-          <p:cNvPr id="32" name="Google Shape;32;p6" hidden="0"/>
+          <p:cNvPr id="32" name="Google Shape;32;p6"/>
           <p:cNvSpPr txBox="1">
             <a:spLocks noGrp="1"/>
           </p:cNvSpPr>
-          <p:nvPr isPhoto="0" userDrawn="0">
-            <p:ph type="body" idx="2" hasCustomPrompt="0"/>
+          <p:nvPr>
+            <p:ph type="body" idx="2"/>
           </p:nvPr>
         </p:nvSpPr>
         <p:spPr bwMode="auto">
@@ -4511,12 +4527,12 @@
       </p:sp>
       <p:sp>
         <p:nvSpPr>
-          <p:cNvPr id="33" name="Google Shape;33;p6" hidden="0"/>
+          <p:cNvPr id="33" name="Google Shape;33;p6"/>
           <p:cNvSpPr txBox="1">
             <a:spLocks noGrp="1"/>
           </p:cNvSpPr>
-          <p:nvPr isPhoto="0" userDrawn="0">
-            <p:ph type="dt" idx="10" hasCustomPrompt="0"/>
+          <p:nvPr>
+            <p:ph type="dt" idx="10"/>
           </p:nvPr>
         </p:nvSpPr>
         <p:spPr bwMode="auto">
@@ -4647,12 +4663,12 @@
       </p:sp>
       <p:sp>
         <p:nvSpPr>
-          <p:cNvPr id="34" name="Google Shape;34;p6" hidden="0"/>
+          <p:cNvPr id="34" name="Google Shape;34;p6"/>
           <p:cNvSpPr txBox="1">
             <a:spLocks noGrp="1"/>
           </p:cNvSpPr>
-          <p:nvPr isPhoto="0" userDrawn="0">
-            <p:ph type="ftr" idx="11" hasCustomPrompt="0"/>
+          <p:nvPr>
+            <p:ph type="ftr" idx="11"/>
           </p:nvPr>
         </p:nvSpPr>
         <p:spPr bwMode="auto">
@@ -4783,12 +4799,12 @@
       </p:sp>
       <p:sp>
         <p:nvSpPr>
-          <p:cNvPr id="35" name="Google Shape;35;p6" hidden="0"/>
+          <p:cNvPr id="35" name="Google Shape;35;p6"/>
           <p:cNvSpPr txBox="1">
             <a:spLocks noGrp="1"/>
           </p:cNvSpPr>
-          <p:nvPr isPhoto="0" userDrawn="0">
-            <p:ph type="sldNum" idx="12" hasCustomPrompt="0"/>
+          <p:nvPr>
+            <p:ph type="sldNum" idx="12"/>
           </p:nvPr>
         </p:nvSpPr>
         <p:spPr bwMode="auto">
@@ -4886,7 +4902,7 @@
             </a:pPr>
             <a:fld id="{00000000-1234-1234-1234-123412341234}" type="slidenum">
               <a:rPr/>
-              <a:t/>
+              <a:t>‹Nº›</a:t>
             </a:fld>
             <a:endParaRPr/>
           </a:p>
@@ -4901,13 +4917,13 @@
 </file>
 
 <file path=ppt/slideLayouts/slideLayout5.xml><?xml version="1.0" encoding="utf-8"?>
-<p:sldLayout xmlns:a="http://schemas.openxmlformats.org/drawingml/2006/main" xmlns:r="http://schemas.openxmlformats.org/officeDocument/2006/relationships" xmlns:p="http://schemas.openxmlformats.org/presentationml/2006/main" xmlns:m="http://schemas.openxmlformats.org/officeDocument/2006/math" xmlns:w="http://schemas.openxmlformats.org/wordprocessingml/2006/main" matchingName="Comparación" preserve="0" showMasterPhAnim="0" type="twoTxTwoObj" userDrawn="1">
+<p:sldLayout xmlns:a="http://schemas.openxmlformats.org/drawingml/2006/main" xmlns:r="http://schemas.openxmlformats.org/officeDocument/2006/relationships" xmlns:p="http://schemas.openxmlformats.org/presentationml/2006/main" showMasterPhAnim="0" matchingName="Comparación" type="twoTxTwoObj" userDrawn="1">
   <p:cSld name="TWO_OBJECTS_WITH_TEXT">
     <p:spTree>
       <p:nvGrpSpPr>
-        <p:cNvPr id="1" name="" hidden="0"/>
+        <p:cNvPr id="1" name=""/>
         <p:cNvGrpSpPr/>
-        <p:nvPr isPhoto="0" userDrawn="0"/>
+        <p:nvPr/>
       </p:nvGrpSpPr>
       <p:grpSpPr bwMode="auto">
         <a:xfrm>
@@ -4919,12 +4935,12 @@
       </p:grpSpPr>
       <p:sp>
         <p:nvSpPr>
-          <p:cNvPr id="37" name="Google Shape;37;p7" hidden="0"/>
+          <p:cNvPr id="37" name="Google Shape;37;p7"/>
           <p:cNvSpPr txBox="1">
             <a:spLocks noGrp="1"/>
           </p:cNvSpPr>
-          <p:nvPr isPhoto="0" userDrawn="0">
-            <p:ph type="title" hasCustomPrompt="0"/>
+          <p:nvPr>
+            <p:ph type="title"/>
           </p:nvPr>
         </p:nvSpPr>
         <p:spPr bwMode="auto">
@@ -5061,12 +5077,12 @@
       </p:sp>
       <p:sp>
         <p:nvSpPr>
-          <p:cNvPr id="38" name="Google Shape;38;p7" hidden="0"/>
+          <p:cNvPr id="38" name="Google Shape;38;p7"/>
           <p:cNvSpPr txBox="1">
             <a:spLocks noGrp="1"/>
           </p:cNvSpPr>
-          <p:nvPr isPhoto="0" userDrawn="0">
-            <p:ph type="body" idx="1" hasCustomPrompt="0"/>
+          <p:nvPr>
+            <p:ph type="body" idx="1"/>
           </p:nvPr>
         </p:nvSpPr>
         <p:spPr bwMode="auto">
@@ -5251,12 +5267,12 @@
       </p:sp>
       <p:sp>
         <p:nvSpPr>
-          <p:cNvPr id="39" name="Google Shape;39;p7" hidden="0"/>
+          <p:cNvPr id="39" name="Google Shape;39;p7"/>
           <p:cNvSpPr txBox="1">
             <a:spLocks noGrp="1"/>
           </p:cNvSpPr>
-          <p:nvPr isPhoto="0" userDrawn="0">
-            <p:ph type="body" idx="2" hasCustomPrompt="0"/>
+          <p:nvPr>
+            <p:ph type="body" idx="2"/>
           </p:nvPr>
         </p:nvSpPr>
         <p:spPr bwMode="auto">
@@ -5441,12 +5457,12 @@
       </p:sp>
       <p:sp>
         <p:nvSpPr>
-          <p:cNvPr id="40" name="Google Shape;40;p7" hidden="0"/>
+          <p:cNvPr id="40" name="Google Shape;40;p7"/>
           <p:cNvSpPr txBox="1">
             <a:spLocks noGrp="1"/>
           </p:cNvSpPr>
-          <p:nvPr isPhoto="0" userDrawn="0">
-            <p:ph type="body" idx="3" hasCustomPrompt="0"/>
+          <p:nvPr>
+            <p:ph type="body" idx="3"/>
           </p:nvPr>
         </p:nvSpPr>
         <p:spPr bwMode="auto">
@@ -5631,12 +5647,12 @@
       </p:sp>
       <p:sp>
         <p:nvSpPr>
-          <p:cNvPr id="41" name="Google Shape;41;p7" hidden="0"/>
+          <p:cNvPr id="41" name="Google Shape;41;p7"/>
           <p:cNvSpPr txBox="1">
             <a:spLocks noGrp="1"/>
           </p:cNvSpPr>
-          <p:nvPr isPhoto="0" userDrawn="0">
-            <p:ph type="body" idx="4" hasCustomPrompt="0"/>
+          <p:nvPr>
+            <p:ph type="body" idx="4"/>
           </p:nvPr>
         </p:nvSpPr>
         <p:spPr bwMode="auto">
@@ -5821,12 +5837,12 @@
       </p:sp>
       <p:sp>
         <p:nvSpPr>
-          <p:cNvPr id="42" name="Google Shape;42;p7" hidden="0"/>
+          <p:cNvPr id="42" name="Google Shape;42;p7"/>
           <p:cNvSpPr txBox="1">
             <a:spLocks noGrp="1"/>
           </p:cNvSpPr>
-          <p:nvPr isPhoto="0" userDrawn="0">
-            <p:ph type="dt" idx="10" hasCustomPrompt="0"/>
+          <p:nvPr>
+            <p:ph type="dt" idx="10"/>
           </p:nvPr>
         </p:nvSpPr>
         <p:spPr bwMode="auto">
@@ -5957,12 +5973,12 @@
       </p:sp>
       <p:sp>
         <p:nvSpPr>
-          <p:cNvPr id="43" name="Google Shape;43;p7" hidden="0"/>
+          <p:cNvPr id="43" name="Google Shape;43;p7"/>
           <p:cNvSpPr txBox="1">
             <a:spLocks noGrp="1"/>
           </p:cNvSpPr>
-          <p:nvPr isPhoto="0" userDrawn="0">
-            <p:ph type="ftr" idx="11" hasCustomPrompt="0"/>
+          <p:nvPr>
+            <p:ph type="ftr" idx="11"/>
           </p:nvPr>
         </p:nvSpPr>
         <p:spPr bwMode="auto">
@@ -6093,12 +6109,12 @@
       </p:sp>
       <p:sp>
         <p:nvSpPr>
-          <p:cNvPr id="44" name="Google Shape;44;p7" hidden="0"/>
+          <p:cNvPr id="44" name="Google Shape;44;p7"/>
           <p:cNvSpPr txBox="1">
             <a:spLocks noGrp="1"/>
           </p:cNvSpPr>
-          <p:nvPr isPhoto="0" userDrawn="0">
-            <p:ph type="sldNum" idx="12" hasCustomPrompt="0"/>
+          <p:nvPr>
+            <p:ph type="sldNum" idx="12"/>
           </p:nvPr>
         </p:nvSpPr>
         <p:spPr bwMode="auto">
@@ -6196,7 +6212,7 @@
             </a:pPr>
             <a:fld id="{00000000-1234-1234-1234-123412341234}" type="slidenum">
               <a:rPr/>
-              <a:t/>
+              <a:t>‹Nº›</a:t>
             </a:fld>
             <a:endParaRPr/>
           </a:p>
@@ -6211,13 +6227,13 @@
 </file>
 
 <file path=ppt/slideLayouts/slideLayout6.xml><?xml version="1.0" encoding="utf-8"?>
-<p:sldLayout xmlns:a="http://schemas.openxmlformats.org/drawingml/2006/main" xmlns:r="http://schemas.openxmlformats.org/officeDocument/2006/relationships" xmlns:p="http://schemas.openxmlformats.org/presentationml/2006/main" xmlns:m="http://schemas.openxmlformats.org/officeDocument/2006/math" xmlns:w="http://schemas.openxmlformats.org/wordprocessingml/2006/main" matchingName="Solo el título" preserve="0" showMasterPhAnim="0" type="titleOnly" userDrawn="1">
+<p:sldLayout xmlns:a="http://schemas.openxmlformats.org/drawingml/2006/main" xmlns:r="http://schemas.openxmlformats.org/officeDocument/2006/relationships" xmlns:p="http://schemas.openxmlformats.org/presentationml/2006/main" showMasterPhAnim="0" matchingName="Solo el título" type="titleOnly" userDrawn="1">
   <p:cSld name="TITLE_ONLY">
     <p:spTree>
       <p:nvGrpSpPr>
-        <p:cNvPr id="1" name="" hidden="0"/>
+        <p:cNvPr id="1" name=""/>
         <p:cNvGrpSpPr/>
-        <p:nvPr isPhoto="0" userDrawn="0"/>
+        <p:nvPr/>
       </p:nvGrpSpPr>
       <p:grpSpPr bwMode="auto">
         <a:xfrm>
@@ -6229,12 +6245,12 @@
       </p:grpSpPr>
       <p:sp>
         <p:nvSpPr>
-          <p:cNvPr id="46" name="Google Shape;46;p8" hidden="0"/>
+          <p:cNvPr id="46" name="Google Shape;46;p8"/>
           <p:cNvSpPr txBox="1">
             <a:spLocks noGrp="1"/>
           </p:cNvSpPr>
-          <p:nvPr isPhoto="0" userDrawn="0">
-            <p:ph type="title" hasCustomPrompt="0"/>
+          <p:nvPr>
+            <p:ph type="title"/>
           </p:nvPr>
         </p:nvSpPr>
         <p:spPr bwMode="auto">
@@ -6371,12 +6387,12 @@
       </p:sp>
       <p:sp>
         <p:nvSpPr>
-          <p:cNvPr id="47" name="Google Shape;47;p8" hidden="0"/>
+          <p:cNvPr id="47" name="Google Shape;47;p8"/>
           <p:cNvSpPr txBox="1">
             <a:spLocks noGrp="1"/>
           </p:cNvSpPr>
-          <p:nvPr isPhoto="0" userDrawn="0">
-            <p:ph type="dt" idx="10" hasCustomPrompt="0"/>
+          <p:nvPr>
+            <p:ph type="dt" idx="10"/>
           </p:nvPr>
         </p:nvSpPr>
         <p:spPr bwMode="auto">
@@ -6507,12 +6523,12 @@
       </p:sp>
       <p:sp>
         <p:nvSpPr>
-          <p:cNvPr id="48" name="Google Shape;48;p8" hidden="0"/>
+          <p:cNvPr id="48" name="Google Shape;48;p8"/>
           <p:cNvSpPr txBox="1">
             <a:spLocks noGrp="1"/>
           </p:cNvSpPr>
-          <p:nvPr isPhoto="0" userDrawn="0">
-            <p:ph type="ftr" idx="11" hasCustomPrompt="0"/>
+          <p:nvPr>
+            <p:ph type="ftr" idx="11"/>
           </p:nvPr>
         </p:nvSpPr>
         <p:spPr bwMode="auto">
@@ -6643,12 +6659,12 @@
       </p:sp>
       <p:sp>
         <p:nvSpPr>
-          <p:cNvPr id="49" name="Google Shape;49;p8" hidden="0"/>
+          <p:cNvPr id="49" name="Google Shape;49;p8"/>
           <p:cNvSpPr txBox="1">
             <a:spLocks noGrp="1"/>
           </p:cNvSpPr>
-          <p:nvPr isPhoto="0" userDrawn="0">
-            <p:ph type="sldNum" idx="12" hasCustomPrompt="0"/>
+          <p:nvPr>
+            <p:ph type="sldNum" idx="12"/>
           </p:nvPr>
         </p:nvSpPr>
         <p:spPr bwMode="auto">
@@ -6746,7 +6762,7 @@
             </a:pPr>
             <a:fld id="{00000000-1234-1234-1234-123412341234}" type="slidenum">
               <a:rPr/>
-              <a:t/>
+              <a:t>‹Nº›</a:t>
             </a:fld>
             <a:endParaRPr/>
           </a:p>
@@ -6761,13 +6777,13 @@
 </file>
 
 <file path=ppt/slideLayouts/slideLayout7.xml><?xml version="1.0" encoding="utf-8"?>
-<p:sldLayout xmlns:a="http://schemas.openxmlformats.org/drawingml/2006/main" xmlns:r="http://schemas.openxmlformats.org/officeDocument/2006/relationships" xmlns:p="http://schemas.openxmlformats.org/presentationml/2006/main" xmlns:m="http://schemas.openxmlformats.org/officeDocument/2006/math" xmlns:w="http://schemas.openxmlformats.org/wordprocessingml/2006/main" matchingName="En blanco" preserve="0" showMasterPhAnim="0" type="blank" userDrawn="1">
+<p:sldLayout xmlns:a="http://schemas.openxmlformats.org/drawingml/2006/main" xmlns:r="http://schemas.openxmlformats.org/officeDocument/2006/relationships" xmlns:p="http://schemas.openxmlformats.org/presentationml/2006/main" showMasterPhAnim="0" matchingName="En blanco" type="blank" userDrawn="1">
   <p:cSld name="BLANK">
     <p:spTree>
       <p:nvGrpSpPr>
-        <p:cNvPr id="1" name="" hidden="0"/>
+        <p:cNvPr id="1" name=""/>
         <p:cNvGrpSpPr/>
-        <p:nvPr isPhoto="0" userDrawn="0"/>
+        <p:nvPr/>
       </p:nvGrpSpPr>
       <p:grpSpPr bwMode="auto">
         <a:xfrm>
@@ -6779,12 +6795,12 @@
       </p:grpSpPr>
       <p:sp>
         <p:nvSpPr>
-          <p:cNvPr id="51" name="Google Shape;51;p9" hidden="0"/>
+          <p:cNvPr id="51" name="Google Shape;51;p9"/>
           <p:cNvSpPr txBox="1">
             <a:spLocks noGrp="1"/>
           </p:cNvSpPr>
-          <p:nvPr isPhoto="0" userDrawn="0">
-            <p:ph type="dt" idx="10" hasCustomPrompt="0"/>
+          <p:nvPr>
+            <p:ph type="dt" idx="10"/>
           </p:nvPr>
         </p:nvSpPr>
         <p:spPr bwMode="auto">
@@ -6915,12 +6931,12 @@
       </p:sp>
       <p:sp>
         <p:nvSpPr>
-          <p:cNvPr id="52" name="Google Shape;52;p9" hidden="0"/>
+          <p:cNvPr id="52" name="Google Shape;52;p9"/>
           <p:cNvSpPr txBox="1">
             <a:spLocks noGrp="1"/>
           </p:cNvSpPr>
-          <p:nvPr isPhoto="0" userDrawn="0">
-            <p:ph type="ftr" idx="11" hasCustomPrompt="0"/>
+          <p:nvPr>
+            <p:ph type="ftr" idx="11"/>
           </p:nvPr>
         </p:nvSpPr>
         <p:spPr bwMode="auto">
@@ -7051,12 +7067,12 @@
       </p:sp>
       <p:sp>
         <p:nvSpPr>
-          <p:cNvPr id="53" name="Google Shape;53;p9" hidden="0"/>
+          <p:cNvPr id="53" name="Google Shape;53;p9"/>
           <p:cNvSpPr txBox="1">
             <a:spLocks noGrp="1"/>
           </p:cNvSpPr>
-          <p:nvPr isPhoto="0" userDrawn="0">
-            <p:ph type="sldNum" idx="12" hasCustomPrompt="0"/>
+          <p:nvPr>
+            <p:ph type="sldNum" idx="12"/>
           </p:nvPr>
         </p:nvSpPr>
         <p:spPr bwMode="auto">
@@ -7154,7 +7170,7 @@
             </a:pPr>
             <a:fld id="{00000000-1234-1234-1234-123412341234}" type="slidenum">
               <a:rPr/>
-              <a:t/>
+              <a:t>‹Nº›</a:t>
             </a:fld>
             <a:endParaRPr/>
           </a:p>
@@ -7169,13 +7185,13 @@
 </file>
 
 <file path=ppt/slideLayouts/slideLayout8.xml><?xml version="1.0" encoding="utf-8"?>
-<p:sldLayout xmlns:a="http://schemas.openxmlformats.org/drawingml/2006/main" xmlns:r="http://schemas.openxmlformats.org/officeDocument/2006/relationships" xmlns:p="http://schemas.openxmlformats.org/presentationml/2006/main" xmlns:m="http://schemas.openxmlformats.org/officeDocument/2006/math" xmlns:w="http://schemas.openxmlformats.org/wordprocessingml/2006/main" matchingName="Contenido con título" preserve="0" showMasterPhAnim="0" type="objTx" userDrawn="1">
+<p:sldLayout xmlns:a="http://schemas.openxmlformats.org/drawingml/2006/main" xmlns:r="http://schemas.openxmlformats.org/officeDocument/2006/relationships" xmlns:p="http://schemas.openxmlformats.org/presentationml/2006/main" showMasterPhAnim="0" matchingName="Contenido con título" type="objTx" userDrawn="1">
   <p:cSld name="OBJECT_WITH_CAPTION_TEXT">
     <p:spTree>
       <p:nvGrpSpPr>
-        <p:cNvPr id="1" name="" hidden="0"/>
+        <p:cNvPr id="1" name=""/>
         <p:cNvGrpSpPr/>
-        <p:nvPr isPhoto="0" userDrawn="0"/>
+        <p:nvPr/>
       </p:nvGrpSpPr>
       <p:grpSpPr bwMode="auto">
         <a:xfrm>
@@ -7187,12 +7203,12 @@
       </p:grpSpPr>
       <p:sp>
         <p:nvSpPr>
-          <p:cNvPr id="55" name="Google Shape;55;p10" hidden="0"/>
+          <p:cNvPr id="55" name="Google Shape;55;p10"/>
           <p:cNvSpPr txBox="1">
             <a:spLocks noGrp="1"/>
           </p:cNvSpPr>
-          <p:nvPr isPhoto="0" userDrawn="0">
-            <p:ph type="title" hasCustomPrompt="0"/>
+          <p:nvPr>
+            <p:ph type="title"/>
           </p:nvPr>
         </p:nvSpPr>
         <p:spPr bwMode="auto">
@@ -7330,12 +7346,12 @@
       </p:sp>
       <p:sp>
         <p:nvSpPr>
-          <p:cNvPr id="56" name="Google Shape;56;p10" hidden="0"/>
+          <p:cNvPr id="56" name="Google Shape;56;p10"/>
           <p:cNvSpPr txBox="1">
             <a:spLocks noGrp="1"/>
           </p:cNvSpPr>
-          <p:nvPr isPhoto="0" userDrawn="0">
-            <p:ph type="body" idx="1" hasCustomPrompt="0"/>
+          <p:nvPr>
+            <p:ph type="body" idx="1"/>
           </p:nvPr>
         </p:nvSpPr>
         <p:spPr bwMode="auto">
@@ -7520,12 +7536,12 @@
       </p:sp>
       <p:sp>
         <p:nvSpPr>
-          <p:cNvPr id="57" name="Google Shape;57;p10" hidden="0"/>
+          <p:cNvPr id="57" name="Google Shape;57;p10"/>
           <p:cNvSpPr txBox="1">
             <a:spLocks noGrp="1"/>
           </p:cNvSpPr>
-          <p:nvPr isPhoto="0" userDrawn="0">
-            <p:ph type="body" idx="2" hasCustomPrompt="0"/>
+          <p:nvPr>
+            <p:ph type="body" idx="2"/>
           </p:nvPr>
         </p:nvSpPr>
         <p:spPr bwMode="auto">
@@ -7710,12 +7726,12 @@
       </p:sp>
       <p:sp>
         <p:nvSpPr>
-          <p:cNvPr id="58" name="Google Shape;58;p10" hidden="0"/>
+          <p:cNvPr id="58" name="Google Shape;58;p10"/>
           <p:cNvSpPr txBox="1">
             <a:spLocks noGrp="1"/>
           </p:cNvSpPr>
-          <p:nvPr isPhoto="0" userDrawn="0">
-            <p:ph type="dt" idx="10" hasCustomPrompt="0"/>
+          <p:nvPr>
+            <p:ph type="dt" idx="10"/>
           </p:nvPr>
         </p:nvSpPr>
         <p:spPr bwMode="auto">
@@ -7846,12 +7862,12 @@
       </p:sp>
       <p:sp>
         <p:nvSpPr>
-          <p:cNvPr id="59" name="Google Shape;59;p10" hidden="0"/>
+          <p:cNvPr id="59" name="Google Shape;59;p10"/>
           <p:cNvSpPr txBox="1">
             <a:spLocks noGrp="1"/>
           </p:cNvSpPr>
-          <p:nvPr isPhoto="0" userDrawn="0">
-            <p:ph type="ftr" idx="11" hasCustomPrompt="0"/>
+          <p:nvPr>
+            <p:ph type="ftr" idx="11"/>
           </p:nvPr>
         </p:nvSpPr>
         <p:spPr bwMode="auto">
@@ -7982,12 +7998,12 @@
       </p:sp>
       <p:sp>
         <p:nvSpPr>
-          <p:cNvPr id="60" name="Google Shape;60;p10" hidden="0"/>
+          <p:cNvPr id="60" name="Google Shape;60;p10"/>
           <p:cNvSpPr txBox="1">
             <a:spLocks noGrp="1"/>
           </p:cNvSpPr>
-          <p:nvPr isPhoto="0" userDrawn="0">
-            <p:ph type="sldNum" idx="12" hasCustomPrompt="0"/>
+          <p:nvPr>
+            <p:ph type="sldNum" idx="12"/>
           </p:nvPr>
         </p:nvSpPr>
         <p:spPr bwMode="auto">
@@ -8085,7 +8101,7 @@
             </a:pPr>
             <a:fld id="{00000000-1234-1234-1234-123412341234}" type="slidenum">
               <a:rPr/>
-              <a:t/>
+              <a:t>‹Nº›</a:t>
             </a:fld>
             <a:endParaRPr/>
           </a:p>
@@ -8100,13 +8116,13 @@
 </file>
 
 <file path=ppt/slideLayouts/slideLayout9.xml><?xml version="1.0" encoding="utf-8"?>
-<p:sldLayout xmlns:a="http://schemas.openxmlformats.org/drawingml/2006/main" xmlns:r="http://schemas.openxmlformats.org/officeDocument/2006/relationships" xmlns:p="http://schemas.openxmlformats.org/presentationml/2006/main" xmlns:m="http://schemas.openxmlformats.org/officeDocument/2006/math" xmlns:w="http://schemas.openxmlformats.org/wordprocessingml/2006/main" matchingName="Imagen con título" preserve="0" showMasterPhAnim="0" type="picTx" userDrawn="1">
+<p:sldLayout xmlns:a="http://schemas.openxmlformats.org/drawingml/2006/main" xmlns:r="http://schemas.openxmlformats.org/officeDocument/2006/relationships" xmlns:p="http://schemas.openxmlformats.org/presentationml/2006/main" showMasterPhAnim="0" matchingName="Imagen con título" type="picTx" userDrawn="1">
   <p:cSld name="PICTURE_WITH_CAPTION_TEXT">
     <p:spTree>
       <p:nvGrpSpPr>
-        <p:cNvPr id="1" name="" hidden="0"/>
+        <p:cNvPr id="1" name=""/>
         <p:cNvGrpSpPr/>
-        <p:nvPr isPhoto="0" userDrawn="0"/>
+        <p:nvPr/>
       </p:nvGrpSpPr>
       <p:grpSpPr bwMode="auto">
         <a:xfrm>
@@ -8118,12 +8134,12 @@
       </p:grpSpPr>
       <p:sp>
         <p:nvSpPr>
-          <p:cNvPr id="62" name="Google Shape;62;p11" hidden="0"/>
+          <p:cNvPr id="62" name="Google Shape;62;p11"/>
           <p:cNvSpPr txBox="1">
             <a:spLocks noGrp="1"/>
           </p:cNvSpPr>
-          <p:nvPr isPhoto="0" userDrawn="0">
-            <p:ph type="title" hasCustomPrompt="0"/>
+          <p:nvPr>
+            <p:ph type="title"/>
           </p:nvPr>
         </p:nvSpPr>
         <p:spPr bwMode="auto">
@@ -8261,12 +8277,12 @@
       </p:sp>
       <p:sp>
         <p:nvSpPr>
-          <p:cNvPr id="63" name="Google Shape;63;p11" hidden="0"/>
+          <p:cNvPr id="63" name="Google Shape;63;p11"/>
           <p:cNvSpPr>
             <a:spLocks noGrp="1"/>
           </p:cNvSpPr>
-          <p:nvPr isPhoto="0" userDrawn="0">
-            <p:ph type="pic" idx="2" hasCustomPrompt="0"/>
+          <p:nvPr>
+            <p:ph type="pic" idx="2"/>
           </p:nvPr>
         </p:nvSpPr>
         <p:spPr bwMode="auto">
@@ -8523,12 +8539,12 @@
       </p:sp>
       <p:sp>
         <p:nvSpPr>
-          <p:cNvPr id="64" name="Google Shape;64;p11" hidden="0"/>
+          <p:cNvPr id="64" name="Google Shape;64;p11"/>
           <p:cNvSpPr txBox="1">
             <a:spLocks noGrp="1"/>
           </p:cNvSpPr>
-          <p:nvPr isPhoto="0" userDrawn="0">
-            <p:ph type="body" idx="1" hasCustomPrompt="0"/>
+          <p:nvPr>
+            <p:ph type="body" idx="1"/>
           </p:nvPr>
         </p:nvSpPr>
         <p:spPr bwMode="auto">
@@ -8713,12 +8729,12 @@
       </p:sp>
       <p:sp>
         <p:nvSpPr>
-          <p:cNvPr id="65" name="Google Shape;65;p11" hidden="0"/>
+          <p:cNvPr id="65" name="Google Shape;65;p11"/>
           <p:cNvSpPr txBox="1">
             <a:spLocks noGrp="1"/>
           </p:cNvSpPr>
-          <p:nvPr isPhoto="0" userDrawn="0">
-            <p:ph type="dt" idx="10" hasCustomPrompt="0"/>
+          <p:nvPr>
+            <p:ph type="dt" idx="10"/>
           </p:nvPr>
         </p:nvSpPr>
         <p:spPr bwMode="auto">
@@ -8849,12 +8865,12 @@
       </p:sp>
       <p:sp>
         <p:nvSpPr>
-          <p:cNvPr id="66" name="Google Shape;66;p11" hidden="0"/>
+          <p:cNvPr id="66" name="Google Shape;66;p11"/>
           <p:cNvSpPr txBox="1">
             <a:spLocks noGrp="1"/>
           </p:cNvSpPr>
-          <p:nvPr isPhoto="0" userDrawn="0">
-            <p:ph type="ftr" idx="11" hasCustomPrompt="0"/>
+          <p:nvPr>
+            <p:ph type="ftr" idx="11"/>
           </p:nvPr>
         </p:nvSpPr>
         <p:spPr bwMode="auto">
@@ -8985,12 +9001,12 @@
       </p:sp>
       <p:sp>
         <p:nvSpPr>
-          <p:cNvPr id="67" name="Google Shape;67;p11" hidden="0"/>
+          <p:cNvPr id="67" name="Google Shape;67;p11"/>
           <p:cNvSpPr txBox="1">
             <a:spLocks noGrp="1"/>
           </p:cNvSpPr>
-          <p:nvPr isPhoto="0" userDrawn="0">
-            <p:ph type="sldNum" idx="12" hasCustomPrompt="0"/>
+          <p:nvPr>
+            <p:ph type="sldNum" idx="12"/>
           </p:nvPr>
         </p:nvSpPr>
         <p:spPr bwMode="auto">
@@ -9088,7 +9104,7 @@
             </a:pPr>
             <a:fld id="{00000000-1234-1234-1234-123412341234}" type="slidenum">
               <a:rPr/>
-              <a:t/>
+              <a:t>‹Nº›</a:t>
             </a:fld>
             <a:endParaRPr/>
           </a:p>
@@ -9103,20 +9119,21 @@
 </file>
 
 <file path=ppt/slideMasters/slideMaster1.xml><?xml version="1.0" encoding="utf-8"?>
-<p:sldMaster xmlns:a="http://schemas.openxmlformats.org/drawingml/2006/main" xmlns:r="http://schemas.openxmlformats.org/officeDocument/2006/relationships" xmlns:p="http://schemas.openxmlformats.org/presentationml/2006/main" xmlns:m="http://schemas.openxmlformats.org/officeDocument/2006/math" xmlns:w="http://schemas.openxmlformats.org/wordprocessingml/2006/main" preserve="0">
-  <p:cSld name="">
+<p:sldMaster xmlns:a="http://schemas.openxmlformats.org/drawingml/2006/main" xmlns:r="http://schemas.openxmlformats.org/officeDocument/2006/relationships" xmlns:p="http://schemas.openxmlformats.org/presentationml/2006/main">
+  <p:cSld>
     <p:bg>
-      <p:bgPr shadeToTitle="0">
+      <p:bgPr>
         <a:solidFill>
           <a:schemeClr val="lt1"/>
         </a:solidFill>
+        <a:effectLst/>
       </p:bgPr>
     </p:bg>
     <p:spTree>
       <p:nvGrpSpPr>
-        <p:cNvPr id="1" name="" hidden="0"/>
+        <p:cNvPr id="1" name=""/>
         <p:cNvGrpSpPr/>
-        <p:nvPr isPhoto="0" userDrawn="0"/>
+        <p:nvPr/>
       </p:nvGrpSpPr>
       <p:grpSpPr bwMode="auto">
         <a:xfrm>
@@ -9128,12 +9145,12 @@
       </p:grpSpPr>
       <p:sp>
         <p:nvSpPr>
-          <p:cNvPr id="6" name="Google Shape;6;p2" hidden="0"/>
+          <p:cNvPr id="6" name="Google Shape;6;p2"/>
           <p:cNvSpPr txBox="1">
             <a:spLocks noGrp="1"/>
           </p:cNvSpPr>
-          <p:nvPr isPhoto="0" userDrawn="0">
-            <p:ph type="title" hasCustomPrompt="0"/>
+          <p:nvPr>
+            <p:ph type="title"/>
           </p:nvPr>
         </p:nvSpPr>
         <p:spPr bwMode="auto">
@@ -9278,12 +9295,12 @@
       </p:sp>
       <p:sp>
         <p:nvSpPr>
-          <p:cNvPr id="7" name="Google Shape;7;p2" hidden="0"/>
+          <p:cNvPr id="7" name="Google Shape;7;p2"/>
           <p:cNvSpPr txBox="1">
             <a:spLocks noGrp="1"/>
           </p:cNvSpPr>
-          <p:nvPr isPhoto="0" userDrawn="0">
-            <p:ph type="body" idx="1" hasCustomPrompt="0"/>
+          <p:nvPr>
+            <p:ph type="body" idx="1"/>
           </p:nvPr>
         </p:nvSpPr>
         <p:spPr bwMode="auto">
@@ -9540,12 +9557,12 @@
       </p:sp>
       <p:sp>
         <p:nvSpPr>
-          <p:cNvPr id="8" name="Google Shape;8;p2" hidden="0"/>
+          <p:cNvPr id="8" name="Google Shape;8;p2"/>
           <p:cNvSpPr txBox="1">
             <a:spLocks noGrp="1"/>
           </p:cNvSpPr>
-          <p:nvPr isPhoto="0" userDrawn="0">
-            <p:ph type="dt" idx="10" hasCustomPrompt="0"/>
+          <p:nvPr>
+            <p:ph type="dt" idx="10"/>
           </p:nvPr>
         </p:nvSpPr>
         <p:spPr bwMode="auto">
@@ -9739,12 +9756,12 @@
       </p:sp>
       <p:sp>
         <p:nvSpPr>
-          <p:cNvPr id="9" name="Google Shape;9;p2" hidden="0"/>
+          <p:cNvPr id="9" name="Google Shape;9;p2"/>
           <p:cNvSpPr txBox="1">
             <a:spLocks noGrp="1"/>
           </p:cNvSpPr>
-          <p:nvPr isPhoto="0" userDrawn="0">
-            <p:ph type="ftr" idx="11" hasCustomPrompt="0"/>
+          <p:nvPr>
+            <p:ph type="ftr" idx="11"/>
           </p:nvPr>
         </p:nvSpPr>
         <p:spPr bwMode="auto">
@@ -9938,12 +9955,12 @@
       </p:sp>
       <p:sp>
         <p:nvSpPr>
-          <p:cNvPr id="10" name="Google Shape;10;p2" hidden="0"/>
+          <p:cNvPr id="10" name="Google Shape;10;p2"/>
           <p:cNvSpPr txBox="1">
             <a:spLocks noGrp="1"/>
           </p:cNvSpPr>
-          <p:nvPr isPhoto="0" userDrawn="0">
-            <p:ph type="sldNum" idx="12" hasCustomPrompt="0"/>
+          <p:nvPr>
+            <p:ph type="sldNum" idx="12"/>
           </p:nvPr>
         </p:nvSpPr>
         <p:spPr bwMode="auto">
@@ -10104,7 +10121,7 @@
             </a:pPr>
             <a:fld id="{00000000-1234-1234-1234-123412341234}" type="slidenum">
               <a:rPr/>
-              <a:t/>
+              <a:t>‹Nº›</a:t>
             </a:fld>
             <a:endParaRPr/>
           </a:p>
@@ -10126,7 +10143,7 @@
     <p:sldLayoutId id="2147483658" r:id="rId10"/>
     <p:sldLayoutId id="2147483659" r:id="rId11"/>
   </p:sldLayoutIdLst>
-  <p:hf dt="0" ftr="0" hdr="0" sldNum="0"/>
+  <p:hf sldNum="0" hdr="0" ftr="0" dt="0"/>
   <p:txStyles>
     <p:titleStyle>
       <a:defPPr marR="0" lvl="0" algn="l">
@@ -10793,13 +10810,13 @@
 </file>
 
 <file path=ppt/slides/slide1.xml><?xml version="1.0" encoding="utf-8"?>
-<p:sld xmlns:a="http://schemas.openxmlformats.org/drawingml/2006/main" xmlns:r="http://schemas.openxmlformats.org/officeDocument/2006/relationships" xmlns:p="http://schemas.openxmlformats.org/presentationml/2006/main" xmlns:m="http://schemas.openxmlformats.org/officeDocument/2006/math" xmlns:w="http://schemas.openxmlformats.org/wordprocessingml/2006/main" showMasterPhAnim="0" show="1">
-  <p:cSld name="">
+<p:sld xmlns:a="http://schemas.openxmlformats.org/drawingml/2006/main" xmlns:r="http://schemas.openxmlformats.org/officeDocument/2006/relationships" xmlns:p="http://schemas.openxmlformats.org/presentationml/2006/main" showMasterPhAnim="0">
+  <p:cSld>
     <p:spTree>
       <p:nvGrpSpPr>
-        <p:cNvPr id="1" name="" hidden="0"/>
+        <p:cNvPr id="1" name=""/>
         <p:cNvGrpSpPr/>
-        <p:nvPr isPhoto="0" userDrawn="0"/>
+        <p:nvPr/>
       </p:nvGrpSpPr>
       <p:grpSpPr bwMode="auto">
         <a:xfrm>
@@ -10811,9 +10828,9 @@
       </p:grpSpPr>
       <p:pic>
         <p:nvPicPr>
-          <p:cNvPr id="84" name="Google Shape;84;p1" hidden="0"/>
+          <p:cNvPr id="84" name="Google Shape;84;p1"/>
           <p:cNvPicPr/>
-          <p:nvPr isPhoto="0" userDrawn="0"/>
+          <p:nvPr/>
         </p:nvPicPr>
         <p:blipFill>
           <a:blip r:embed="rId2">
@@ -10837,9 +10854,9 @@
       </p:pic>
       <p:sp>
         <p:nvSpPr>
-          <p:cNvPr id="85" name="Google Shape;85;p1" hidden="0"/>
+          <p:cNvPr id="85" name="Google Shape;85;p1"/>
           <p:cNvSpPr/>
-          <p:nvPr isPhoto="0" userDrawn="0"/>
+          <p:nvPr/>
         </p:nvSpPr>
         <p:spPr bwMode="auto">
           <a:xfrm>
@@ -10885,14 +10902,22 @@
               <a:defRPr/>
             </a:pPr>
             <a:r>
-              <a:rPr sz="4400">
+              <a:rPr sz="4400" dirty="0">
                 <a:solidFill>
                   <a:schemeClr val="lt1"/>
                 </a:solidFill>
               </a:rPr>
-              <a:t>ABP ANALISIS Y REQUERIMIENTO</a:t>
+              <a:t>ABP</a:t>
             </a:r>
-            <a:endParaRPr sz="4400" b="1" i="0" u="none" strike="noStrike" cap="none">
+            <a:r>
+              <a:rPr lang="es-CO" sz="4400" dirty="0">
+                <a:solidFill>
+                  <a:schemeClr val="lt1"/>
+                </a:solidFill>
+              </a:rPr>
+              <a:t> SISTEMAS OPERATIVOS </a:t>
+            </a:r>
+            <a:endParaRPr sz="4400" b="1" i="0" u="none" strike="noStrike" cap="none" dirty="0">
               <a:solidFill>
                 <a:srgbClr val="FFFFFF"/>
               </a:solidFill>
@@ -10905,9 +10930,9 @@
       </p:sp>
       <p:sp>
         <p:nvSpPr>
-          <p:cNvPr id="86" name="Google Shape;86;p1" hidden="0"/>
+          <p:cNvPr id="86" name="Google Shape;86;p1"/>
           <p:cNvSpPr/>
-          <p:nvPr isPhoto="0" userDrawn="0"/>
+          <p:nvPr/>
         </p:nvSpPr>
         <p:spPr bwMode="auto">
           <a:xfrm>
@@ -10953,22 +10978,14 @@
               </a:rPr>
               <a:t>En esta especificación de requerimientos de software se describirá las funcionalidades que debe tener la interfaz de los médicos y usuarios. Por medio de esta interfaz, los médicos y usuarios podrán gestionar los procedimientos de seguimiento y control de citas médicas, los médicos revisaran las citas asignadas de los usuarios y aprobándose si llega dicho paciente a la cita, también podrá editar su perfil y actualizar datos personales, los usuarios podrán agregar citas y cancelarlas</a:t>
             </a:r>
-            <a:endParaRPr lang="es-ES" sz="3200" b="0" i="0" u="none" strike="noStrike" cap="none" spc="0">
-              <a:solidFill>
-                <a:srgbClr val="000000"/>
-              </a:solidFill>
-              <a:latin typeface="Arial"/>
-              <a:ea typeface="Arial"/>
-              <a:cs typeface="Arial"/>
-            </a:endParaRPr>
           </a:p>
         </p:txBody>
       </p:sp>
       <p:sp>
         <p:nvSpPr>
-          <p:cNvPr id="87" name="Google Shape;87;p1" hidden="0"/>
+          <p:cNvPr id="87" name="Google Shape;87;p1"/>
           <p:cNvSpPr/>
-          <p:nvPr isPhoto="0" userDrawn="0"/>
+          <p:nvPr/>
         </p:nvSpPr>
         <p:spPr bwMode="auto">
           <a:xfrm>
@@ -11034,9 +11051,9 @@
       </p:sp>
       <p:sp>
         <p:nvSpPr>
-          <p:cNvPr id="88" name="Google Shape;88;p1" hidden="0"/>
+          <p:cNvPr id="88" name="Google Shape;88;p1"/>
           <p:cNvSpPr/>
-          <p:nvPr isPhoto="0" userDrawn="0"/>
+          <p:nvPr/>
         </p:nvSpPr>
         <p:spPr bwMode="auto">
           <a:xfrm>
@@ -11102,9 +11119,9 @@
       </p:sp>
       <p:sp>
         <p:nvSpPr>
-          <p:cNvPr id="89" name="Google Shape;89;p1" hidden="0"/>
+          <p:cNvPr id="89" name="Google Shape;89;p1"/>
           <p:cNvSpPr/>
-          <p:nvPr isPhoto="0" userDrawn="0"/>
+          <p:nvPr/>
         </p:nvSpPr>
         <p:spPr bwMode="auto">
           <a:xfrm>
@@ -11158,11 +11175,6 @@
               </a:rPr>
               <a:t>Autenticarse en el sistema.</a:t>
             </a:r>
-            <a:endParaRPr sz="3200" b="0" i="0" u="none">
-              <a:latin typeface="Tahoma"/>
-              <a:ea typeface="Tahoma"/>
-              <a:cs typeface="Tahoma"/>
-            </a:endParaRPr>
           </a:p>
           <a:p>
             <a:pPr marL="730815" marR="0" indent="-438080" algn="l">
@@ -11220,11 +11232,6 @@
               </a:rPr>
               <a:t>Gestionar los roles del sistema.</a:t>
             </a:r>
-            <a:endParaRPr sz="3200" b="0" i="0" u="none">
-              <a:latin typeface="Tahoma"/>
-              <a:ea typeface="Tahoma"/>
-              <a:cs typeface="Tahoma"/>
-            </a:endParaRPr>
           </a:p>
           <a:p>
             <a:pPr marL="502215" marR="0" indent="-438080" algn="just">
@@ -11249,11 +11256,6 @@
               </a:rPr>
               <a:t>Gestionar información del médico.</a:t>
             </a:r>
-            <a:endParaRPr sz="3200" b="0" i="0" u="none">
-              <a:latin typeface="Tahoma"/>
-              <a:ea typeface="Tahoma"/>
-              <a:cs typeface="Tahoma"/>
-            </a:endParaRPr>
           </a:p>
           <a:p>
             <a:pPr marL="502215" marR="60324" indent="-438080" algn="just">
@@ -11290,11 +11292,6 @@
               </a:rPr>
               <a:t>: Historia clínica, exámenes, etc.</a:t>
             </a:r>
-            <a:endParaRPr sz="3200" b="0" i="0" u="none">
-              <a:latin typeface="Tahoma"/>
-              <a:ea typeface="Tahoma"/>
-              <a:cs typeface="Tahoma"/>
-            </a:endParaRPr>
           </a:p>
           <a:p>
             <a:pPr marL="438080" indent="-438080">
@@ -11354,11 +11351,6 @@
               </a:rPr>
               <a:t>Gestionar información del médico.</a:t>
             </a:r>
-            <a:endParaRPr sz="3200" b="0" i="0" u="none">
-              <a:latin typeface="Tahoma"/>
-              <a:ea typeface="Tahoma"/>
-              <a:cs typeface="Tahoma"/>
-            </a:endParaRPr>
           </a:p>
           <a:p>
             <a:pPr marL="502215" marR="60324" indent="-438080" algn="just">
@@ -11395,11 +11387,6 @@
               </a:rPr>
               <a:t>: Historia clínica, exámenes, etc.</a:t>
             </a:r>
-            <a:endParaRPr sz="3200" b="0" i="0" u="none">
-              <a:latin typeface="Tahoma"/>
-              <a:ea typeface="Tahoma"/>
-              <a:cs typeface="Tahoma"/>
-            </a:endParaRPr>
           </a:p>
           <a:p>
             <a:pPr marL="438080" indent="-438080">
@@ -11427,11 +11414,6 @@
               </a:rPr>
               <a:t> debe solicitar al administrador la creación de una cuenta de usuario para tener acceso al sistema.</a:t>
             </a:r>
-            <a:endParaRPr sz="3200" b="0" i="0" u="none">
-              <a:latin typeface="Tahoma"/>
-              <a:ea typeface="Tahoma"/>
-              <a:cs typeface="Tahoma"/>
-            </a:endParaRPr>
           </a:p>
           <a:p>
             <a:pPr marL="438080" indent="-438080">
@@ -11449,13 +11431,13 @@
       </p:sp>
       <p:sp>
         <p:nvSpPr>
-          <p:cNvPr id="90" name="Google Shape;90;p1" hidden="0"/>
+          <p:cNvPr id="90" name="Google Shape;90;p1"/>
           <p:cNvSpPr/>
-          <p:nvPr isPhoto="0" userDrawn="0"/>
+          <p:nvPr/>
         </p:nvSpPr>
         <p:spPr bwMode="auto">
           <a:xfrm>
-            <a:off x="12010210" y="30280952"/>
+            <a:off x="6234096" y="26127180"/>
             <a:ext cx="7521900" cy="698400"/>
           </a:xfrm>
           <a:prstGeom prst="round2DiagRect">
@@ -11517,141 +11499,9 @@
       </p:sp>
       <p:sp>
         <p:nvSpPr>
-          <p:cNvPr id="92" name="Google Shape;92;p1" hidden="0"/>
+          <p:cNvPr id="96" name="Google Shape;96;p1"/>
           <p:cNvSpPr/>
-          <p:nvPr isPhoto="0" userDrawn="0"/>
-        </p:nvSpPr>
-        <p:spPr bwMode="auto">
-          <a:xfrm>
-            <a:off x="3669415" y="21691141"/>
-            <a:ext cx="7308058" cy="842414"/>
-          </a:xfrm>
-          <a:prstGeom prst="round2DiagRect">
-            <a:avLst>
-              <a:gd name="adj1" fmla="val 50000"/>
-              <a:gd name="adj2" fmla="val 0"/>
-            </a:avLst>
-          </a:prstGeom>
-          <a:solidFill>
-            <a:srgbClr val="DE0000"/>
-          </a:solidFill>
-          <a:ln w="57150" cap="flat" cmpd="sng">
-            <a:solidFill>
-              <a:srgbClr val="E10109"/>
-            </a:solidFill>
-            <a:prstDash val="solid"/>
-            <a:miter lim="800000"/>
-            <a:headEnd type="none" w="sm" len="sm"/>
-            <a:tailEnd type="none" w="sm" len="sm"/>
-          </a:ln>
-        </p:spPr>
-        <p:txBody>
-          <a:bodyPr spcFirstLastPara="1" wrap="square" lIns="91425" tIns="45700" rIns="91425" bIns="45700" anchor="ctr" anchorCtr="0">
-            <a:noAutofit/>
-          </a:bodyPr>
-          <a:lstStyle/>
-          <a:p>
-            <a:pPr marL="0" marR="0" lvl="0" indent="0" algn="ctr">
-              <a:spcBef>
-                <a:spcPts val="0"/>
-              </a:spcBef>
-              <a:spcAft>
-                <a:spcPts val="0"/>
-              </a:spcAft>
-              <a:buNone/>
-              <a:defRPr/>
-            </a:pPr>
-            <a:r>
-              <a:rPr sz="3200" b="1">
-                <a:solidFill>
-                  <a:srgbClr val="FFFFFF"/>
-                </a:solidFill>
-                <a:latin typeface="Arial"/>
-                <a:ea typeface="Arial"/>
-                <a:cs typeface="Arial"/>
-              </a:rPr>
-              <a:t>PLANTEAMIENTO DEL PROBLEMA</a:t>
-            </a:r>
-            <a:endParaRPr sz="3200">
-              <a:solidFill>
-                <a:schemeClr val="lt1"/>
-              </a:solidFill>
-              <a:latin typeface="Arial"/>
-              <a:ea typeface="Arial"/>
-              <a:cs typeface="Arial"/>
-            </a:endParaRPr>
-          </a:p>
-        </p:txBody>
-      </p:sp>
-      <p:sp>
-        <p:nvSpPr>
-          <p:cNvPr id="93" name="Google Shape;93;p1" hidden="0"/>
-          <p:cNvSpPr/>
-          <p:nvPr isPhoto="0" userDrawn="0"/>
-        </p:nvSpPr>
-        <p:spPr bwMode="auto">
-          <a:xfrm>
-            <a:off x="480273" y="22838250"/>
-            <a:ext cx="13949598" cy="6508575"/>
-          </a:xfrm>
-          <a:prstGeom prst="round2DiagRect">
-            <a:avLst>
-              <a:gd name="adj1" fmla="val 24627"/>
-              <a:gd name="adj2" fmla="val 0"/>
-            </a:avLst>
-          </a:prstGeom>
-          <a:solidFill>
-            <a:schemeClr val="lt1"/>
-          </a:solidFill>
-          <a:ln w="57150" cap="flat" cmpd="sng">
-            <a:solidFill>
-              <a:srgbClr val="E10109"/>
-            </a:solidFill>
-            <a:prstDash val="solid"/>
-            <a:miter lim="800000"/>
-            <a:headEnd type="none" w="sm" len="sm"/>
-            <a:tailEnd type="none" w="sm" len="sm"/>
-          </a:ln>
-        </p:spPr>
-        <p:txBody>
-          <a:bodyPr spcFirstLastPara="1" wrap="square" lIns="91425" tIns="45700" rIns="91425" bIns="45700" anchor="ctr" anchorCtr="0">
-            <a:noAutofit/>
-          </a:bodyPr>
-          <a:lstStyle/>
-          <a:p>
-            <a:pPr>
-              <a:defRPr/>
-            </a:pPr>
-            <a:endParaRPr/>
-          </a:p>
-          <a:p>
-            <a:pPr>
-              <a:lnSpc>
-                <a:spcPct val="114999"/>
-              </a:lnSpc>
-              <a:defRPr/>
-            </a:pPr>
-            <a:br>
-              <a:rPr lang="en-US"/>
-            </a:br>
-            <a:r>
-              <a:rPr lang="es-CO" sz="3200" b="0" i="0" u="none" strike="noStrike">
-                <a:solidFill>
-                  <a:srgbClr val="000000"/>
-                </a:solidFill>
-                <a:latin typeface="Arial"/>
-              </a:rPr>
-              <a:t>La empresa WXY posee dos sedes, en cada sede hay tres dependencias. Cada sede posee su administración y comunicación de forma independiente, la comunicación entre ellas se hace mediante vía telefónica, mediante celulares personales o correo electrónico lo que causa ciertos atrasos en algunos procesos principalmente cuando se requiere información de un servidor de archivos que solo se encuentra en la sede principal. Han tenido problemas de seguridad de infección por malware y sustracción de información debido a que los visitantes utilizan los mismos canales que usan los trabajadores para conectarse a internet.</a:t>
-            </a:r>
-            <a:endParaRPr lang="en-US" sz="3200"/>
-          </a:p>
-        </p:txBody>
-      </p:sp>
-      <p:sp>
-        <p:nvSpPr>
-          <p:cNvPr id="96" name="Google Shape;96;p1" hidden="0"/>
-          <p:cNvSpPr/>
-          <p:nvPr isPhoto="0" userDrawn="0"/>
+          <p:nvPr/>
         </p:nvSpPr>
         <p:spPr bwMode="auto">
           <a:xfrm>
@@ -11710,9 +11560,9 @@
       </p:sp>
       <p:sp>
         <p:nvSpPr>
-          <p:cNvPr id="97" name="Google Shape;97;p1" hidden="0"/>
+          <p:cNvPr id="97" name="Google Shape;97;p1"/>
           <p:cNvSpPr/>
-          <p:nvPr isPhoto="0" userDrawn="0"/>
+          <p:nvPr/>
         </p:nvSpPr>
         <p:spPr bwMode="auto">
           <a:xfrm>
@@ -11768,35 +11618,7 @@
                 <a:latin typeface="Arial"/>
                 <a:cs typeface="Arial"/>
               </a:rPr>
-              <a:t>Optimiza</a:t>
-            </a:r>
-            <a:r>
-              <a:rPr sz="3200">
-                <a:latin typeface="Arial"/>
-                <a:cs typeface="Arial"/>
-              </a:rPr>
-              <a:t>r los </a:t>
-            </a:r>
-            <a:r>
-              <a:rPr sz="3200">
-                <a:latin typeface="Arial"/>
-                <a:cs typeface="Arial"/>
-              </a:rPr>
-              <a:t>procesos de seguimiento</a:t>
-            </a:r>
-            <a:r>
-              <a:rPr sz="3200">
-                <a:latin typeface="Arial"/>
-                <a:cs typeface="Arial"/>
-              </a:rPr>
-              <a:t> de citas medicas que se realizan </a:t>
-            </a:r>
-            <a:r>
-              <a:rPr sz="3200">
-                <a:latin typeface="Arial"/>
-                <a:cs typeface="Arial"/>
-              </a:rPr>
-              <a:t>los   usuarios que cuentan con una cuenta previamente registradad</a:t>
+              <a:t>Optimizar los procesos de seguimiento de citas medicas que se realizan los   usuarios que cuentan con una cuenta previamente registradad</a:t>
             </a:r>
             <a:endParaRPr sz="3200" b="1">
               <a:latin typeface="Times New Roman"/>
@@ -11835,35 +11657,7 @@
                 <a:latin typeface="Arial"/>
                 <a:cs typeface="Arial"/>
               </a:rPr>
-              <a:t>Optimiza</a:t>
-            </a:r>
-            <a:r>
-              <a:rPr sz="3200">
-                <a:latin typeface="Arial"/>
-                <a:cs typeface="Arial"/>
-              </a:rPr>
-              <a:t>r los </a:t>
-            </a:r>
-            <a:r>
-              <a:rPr sz="3200">
-                <a:latin typeface="Arial"/>
-                <a:cs typeface="Arial"/>
-              </a:rPr>
-              <a:t>procesos de seguimiento</a:t>
-            </a:r>
-            <a:r>
-              <a:rPr sz="3200">
-                <a:latin typeface="Arial"/>
-                <a:cs typeface="Arial"/>
-              </a:rPr>
-              <a:t> y  asigancion de citas medicas que se realizan </a:t>
-            </a:r>
-            <a:r>
-              <a:rPr sz="3200">
-                <a:latin typeface="Arial"/>
-                <a:cs typeface="Arial"/>
-              </a:rPr>
-              <a:t>los mismo usuarios que cuentan con una cuenta previamente registradad</a:t>
+              <a:t>Optimizar los procesos de seguimiento y  asigancion de citas medicas que se realizan los mismo usuarios que cuentan con una cuenta previamente registradad</a:t>
             </a:r>
             <a:endParaRPr sz="3200" b="1">
               <a:latin typeface="Times New Roman"/>
@@ -11889,9 +11683,9 @@
       </p:sp>
       <p:sp>
         <p:nvSpPr>
-          <p:cNvPr id="23" name="Google Shape;93;p1" hidden="0"/>
+          <p:cNvPr id="23" name="Google Shape;93;p1"/>
           <p:cNvSpPr/>
-          <p:nvPr isPhoto="0" userDrawn="0"/>
+          <p:nvPr/>
         </p:nvSpPr>
         <p:spPr bwMode="auto">
           <a:xfrm>
@@ -11937,7 +11731,7 @@
               <a:buChar char="•"/>
               <a:defRPr/>
             </a:pPr>
-            <a:endParaRPr lang="es-CO" sz="3200" b="0" i="0" u="none" strike="noStrike">
+            <a:endParaRPr lang="es-CO" sz="3200" b="0" i="0" u="none" strike="noStrike" dirty="0">
               <a:solidFill>
                 <a:srgbClr val="000000"/>
               </a:solidFill>
@@ -11960,7 +11754,7 @@
               <a:defRPr/>
             </a:pPr>
             <a:r>
-              <a:rPr lang="es-CO" sz="3200" b="0" i="0" u="none" strike="noStrike">
+              <a:rPr lang="es-CO" sz="3200" b="0" i="0" u="none" strike="noStrike" dirty="0">
                 <a:solidFill>
                   <a:srgbClr val="000000"/>
                 </a:solidFill>
@@ -11968,12 +11762,6 @@
               </a:rPr>
               <a:t>Miller Vargas Mola</a:t>
             </a:r>
-            <a:endParaRPr lang="es-CO" sz="3200" b="0" i="0" u="none" strike="noStrike">
-              <a:solidFill>
-                <a:srgbClr val="000000"/>
-              </a:solidFill>
-              <a:latin typeface="Times New Roman"/>
-            </a:endParaRPr>
           </a:p>
           <a:p>
             <a:pPr>
@@ -11991,7 +11779,7 @@
               <a:defRPr/>
             </a:pPr>
             <a:r>
-              <a:rPr lang="es-CO" sz="3200" b="0" i="0" u="none" strike="noStrike">
+              <a:rPr lang="es-CO" sz="3200" b="0" i="0" u="none" strike="noStrike" dirty="0">
                 <a:solidFill>
                   <a:srgbClr val="000000"/>
                 </a:solidFill>
@@ -12000,7 +11788,7 @@
               <a:t>Javier </a:t>
             </a:r>
             <a:r>
-              <a:rPr lang="es-CO" sz="3200" b="0" i="0" u="none" strike="noStrike">
+              <a:rPr lang="es-CO" sz="3200" b="0" i="0" u="none" strike="noStrike" dirty="0" err="1">
                 <a:solidFill>
                   <a:srgbClr val="000000"/>
                 </a:solidFill>
@@ -12009,7 +11797,7 @@
               <a:t>Andres</a:t>
             </a:r>
             <a:r>
-              <a:rPr lang="es-CO" sz="3200" b="0" i="0" u="none" strike="noStrike">
+              <a:rPr lang="es-CO" sz="3200" b="0" i="0" u="none" strike="noStrike" dirty="0">
                 <a:solidFill>
                   <a:srgbClr val="000000"/>
                 </a:solidFill>
@@ -12017,7 +11805,7 @@
               </a:rPr>
               <a:t> Herrera Manjarrez</a:t>
             </a:r>
-            <a:endParaRPr/>
+            <a:endParaRPr dirty="0"/>
           </a:p>
           <a:p>
             <a:pPr>
@@ -12035,7 +11823,7 @@
               <a:defRPr/>
             </a:pPr>
             <a:r>
-              <a:rPr lang="es-CO" sz="3200" b="0" i="0" u="none" strike="noStrike">
+              <a:rPr lang="es-CO" sz="3200" b="0" i="0" u="none" strike="noStrike" dirty="0">
                 <a:solidFill>
                   <a:srgbClr val="000000"/>
                 </a:solidFill>
@@ -12044,7 +11832,7 @@
               <a:t>Carlos </a:t>
             </a:r>
             <a:r>
-              <a:rPr lang="es-CO" sz="3200" b="0" i="0" u="none" strike="noStrike">
+              <a:rPr lang="es-CO" sz="3200" b="0" i="0" u="none" strike="noStrike" dirty="0" err="1">
                 <a:solidFill>
                   <a:srgbClr val="000000"/>
                 </a:solidFill>
@@ -12053,33 +11841,15 @@
               <a:t>Andres</a:t>
             </a:r>
             <a:r>
-              <a:rPr lang="es-CO" sz="3200" b="0" i="0" u="none" strike="noStrike">
+              <a:rPr lang="es-CO" sz="3200" b="0" i="0" u="none" strike="noStrike" dirty="0">
                 <a:solidFill>
                   <a:srgbClr val="000000"/>
                 </a:solidFill>
                 <a:latin typeface="Times New Roman"/>
               </a:rPr>
-              <a:t> </a:t>
+              <a:t> Coneo Diaz</a:t>
             </a:r>
-            <a:r>
-              <a:rPr lang="es-CO" sz="3200" b="0" i="0" u="none" strike="noStrike">
-                <a:solidFill>
-                  <a:srgbClr val="000000"/>
-                </a:solidFill>
-                <a:latin typeface="Times New Roman"/>
-              </a:rPr>
-              <a:t>Coneo</a:t>
-            </a:r>
-            <a:r>
-              <a:rPr lang="es-CO" sz="3200" b="0" i="0" u="none" strike="noStrike">
-                <a:solidFill>
-                  <a:srgbClr val="000000"/>
-                </a:solidFill>
-                <a:latin typeface="Times New Roman"/>
-              </a:rPr>
-              <a:t> Diaz</a:t>
-            </a:r>
-            <a:endParaRPr/>
+            <a:endParaRPr dirty="0"/>
           </a:p>
           <a:p>
             <a:pPr>
@@ -12097,7 +11867,7 @@
               <a:defRPr/>
             </a:pPr>
             <a:r>
-              <a:rPr lang="es-CO" sz="3200" b="0" i="0" u="none" strike="noStrike">
+              <a:rPr lang="es-CO" sz="3200" b="0" i="0" u="none" strike="noStrike" dirty="0" err="1">
                 <a:solidFill>
                   <a:srgbClr val="000000"/>
                 </a:solidFill>
@@ -12106,7 +11876,7 @@
               <a:t>Andres</a:t>
             </a:r>
             <a:r>
-              <a:rPr lang="es-CO" sz="3200" b="0" i="0" u="none" strike="noStrike">
+              <a:rPr lang="es-CO" sz="3200" b="0" i="0" u="none" strike="noStrike" dirty="0">
                 <a:solidFill>
                   <a:srgbClr val="000000"/>
                 </a:solidFill>
@@ -12114,7 +11884,35 @@
               </a:rPr>
               <a:t> Fabian Burgos</a:t>
             </a:r>
-            <a:endParaRPr/>
+          </a:p>
+          <a:p>
+            <a:pPr marL="457200" indent="-457200">
+              <a:lnSpc>
+                <a:spcPct val="150000"/>
+              </a:lnSpc>
+              <a:spcBef>
+                <a:spcPts val="0"/>
+              </a:spcBef>
+              <a:spcAft>
+                <a:spcPts val="1000"/>
+              </a:spcAft>
+              <a:buFont typeface="Arial" panose="020B0604020202020204" pitchFamily="34" charset="0"/>
+              <a:buChar char="•"/>
+              <a:defRPr/>
+            </a:pPr>
+            <a:r>
+              <a:rPr lang="es-CO" sz="3200" dirty="0">
+                <a:latin typeface="Times New Roman"/>
+              </a:rPr>
+              <a:t>Sara </a:t>
+            </a:r>
+            <a:r>
+              <a:rPr lang="es-CO" sz="3200" dirty="0" err="1">
+                <a:latin typeface="Times New Roman"/>
+              </a:rPr>
+              <a:t>lopez</a:t>
+            </a:r>
+            <a:endParaRPr dirty="0"/>
           </a:p>
           <a:p>
             <a:pPr>
@@ -12124,17 +11922,17 @@
               <a:defRPr/>
             </a:pPr>
             <a:br>
-              <a:rPr lang="en-US" sz="3200"/>
+              <a:rPr lang="en-US" sz="3200" dirty="0"/>
             </a:br>
-            <a:endParaRPr lang="en-US" sz="3200"/>
+            <a:endParaRPr lang="en-US" sz="3200" dirty="0"/>
           </a:p>
         </p:txBody>
       </p:sp>
       <p:sp>
         <p:nvSpPr>
-          <p:cNvPr id="24" name="Google Shape;90;p1" hidden="0"/>
+          <p:cNvPr id="24" name="Google Shape;90;p1"/>
           <p:cNvSpPr/>
-          <p:nvPr isPhoto="0" userDrawn="0"/>
+          <p:nvPr/>
         </p:nvSpPr>
         <p:spPr bwMode="auto">
           <a:xfrm>
@@ -12190,20 +11988,28 @@
       </p:sp>
       <p:pic>
         <p:nvPicPr>
-          <p:cNvPr id="1371300664" name="" hidden="0"/>
+          <p:cNvPr id="2" name="Imagen 1">
+            <a:extLst>
+              <a:ext uri="{FF2B5EF4-FFF2-40B4-BE49-F238E27FC236}">
+                <a16:creationId xmlns:a16="http://schemas.microsoft.com/office/drawing/2014/main" id="{0A906779-2CFC-4F94-B696-77E18A28ACC5}"/>
+              </a:ext>
+            </a:extLst>
+          </p:cNvPr>
           <p:cNvPicPr>
             <a:picLocks noChangeAspect="1"/>
           </p:cNvPicPr>
-          <p:nvPr isPhoto="0" userDrawn="0"/>
+          <p:nvPr/>
         </p:nvPicPr>
         <p:blipFill>
           <a:blip r:embed="rId3"/>
-          <a:stretch/>
+          <a:stretch>
+            <a:fillRect/>
+          </a:stretch>
         </p:blipFill>
-        <p:spPr bwMode="auto">
-          <a:xfrm flipH="0" flipV="0">
-            <a:off x="4391971" y="32448499"/>
-            <a:ext cx="6121571" cy="3633527"/>
+        <p:spPr>
+          <a:xfrm>
+            <a:off x="8914504" y="33164245"/>
+            <a:ext cx="9334013" cy="4776336"/>
           </a:xfrm>
           <a:prstGeom prst="rect">
             <a:avLst/>
@@ -12212,20 +12018,28 @@
       </p:pic>
       <p:pic>
         <p:nvPicPr>
-          <p:cNvPr id="1260814251" name="" hidden="0"/>
+          <p:cNvPr id="4" name="Imagen 3">
+            <a:extLst>
+              <a:ext uri="{FF2B5EF4-FFF2-40B4-BE49-F238E27FC236}">
+                <a16:creationId xmlns:a16="http://schemas.microsoft.com/office/drawing/2014/main" id="{3111D055-E3BD-44C5-A7FB-5E0FBA00482F}"/>
+              </a:ext>
+            </a:extLst>
+          </p:cNvPr>
           <p:cNvPicPr>
             <a:picLocks noChangeAspect="1"/>
           </p:cNvPicPr>
-          <p:nvPr isPhoto="0" userDrawn="0"/>
+          <p:nvPr/>
         </p:nvPicPr>
         <p:blipFill>
           <a:blip r:embed="rId4"/>
-          <a:stretch/>
+          <a:stretch>
+            <a:fillRect/>
+          </a:stretch>
         </p:blipFill>
-        <p:spPr bwMode="auto">
-          <a:xfrm flipH="0" flipV="0">
-            <a:off x="4264971" y="36290250"/>
-            <a:ext cx="6116943" cy="4333873"/>
+        <p:spPr>
+          <a:xfrm>
+            <a:off x="443182" y="27074080"/>
+            <a:ext cx="8856317" cy="4979247"/>
           </a:xfrm>
           <a:prstGeom prst="rect">
             <a:avLst/>
@@ -12234,86 +12048,28 @@
       </p:pic>
       <p:pic>
         <p:nvPicPr>
-          <p:cNvPr id="885819652" name="" hidden="0"/>
+          <p:cNvPr id="3" name="Imagen 2">
+            <a:extLst>
+              <a:ext uri="{FF2B5EF4-FFF2-40B4-BE49-F238E27FC236}">
+                <a16:creationId xmlns:a16="http://schemas.microsoft.com/office/drawing/2014/main" id="{E8EF7DF2-50F4-4A59-AA11-61129CC8FD58}"/>
+              </a:ext>
+            </a:extLst>
+          </p:cNvPr>
           <p:cNvPicPr>
             <a:picLocks noChangeAspect="1"/>
           </p:cNvPicPr>
-          <p:nvPr isPhoto="0" userDrawn="0"/>
+          <p:nvPr/>
         </p:nvPicPr>
         <p:blipFill>
           <a:blip r:embed="rId5"/>
-          <a:stretch/>
+          <a:stretch>
+            <a:fillRect/>
+          </a:stretch>
         </p:blipFill>
-        <p:spPr bwMode="auto">
-          <a:xfrm flipH="0" flipV="0">
-            <a:off x="21505806" y="36163249"/>
-            <a:ext cx="2263114" cy="3739525"/>
-          </a:xfrm>
-          <a:prstGeom prst="rect">
-            <a:avLst/>
-          </a:prstGeom>
-        </p:spPr>
-      </p:pic>
-      <p:pic>
-        <p:nvPicPr>
-          <p:cNvPr id="44022649" name="" hidden="0"/>
-          <p:cNvPicPr>
-            <a:picLocks noChangeAspect="1"/>
-          </p:cNvPicPr>
-          <p:nvPr isPhoto="0" userDrawn="0"/>
-        </p:nvPicPr>
-        <p:blipFill>
-          <a:blip r:embed="rId6"/>
-          <a:stretch/>
-        </p:blipFill>
-        <p:spPr bwMode="auto">
-          <a:xfrm flipH="0" flipV="0">
-            <a:off x="11972975" y="32594238"/>
-            <a:ext cx="6865668" cy="2997012"/>
-          </a:xfrm>
-          <a:prstGeom prst="rect">
-            <a:avLst/>
-          </a:prstGeom>
-        </p:spPr>
-      </p:pic>
-      <p:pic>
-        <p:nvPicPr>
-          <p:cNvPr id="187628150" name="" hidden="0"/>
-          <p:cNvPicPr>
-            <a:picLocks noChangeAspect="1"/>
-          </p:cNvPicPr>
-          <p:nvPr isPhoto="0" userDrawn="0"/>
-        </p:nvPicPr>
-        <p:blipFill>
-          <a:blip r:embed="rId7"/>
-          <a:stretch/>
-        </p:blipFill>
-        <p:spPr bwMode="auto">
-          <a:xfrm flipH="0" flipV="0">
-            <a:off x="12384944" y="36290250"/>
-            <a:ext cx="6335141" cy="4214324"/>
-          </a:xfrm>
-          <a:prstGeom prst="rect">
-            <a:avLst/>
-          </a:prstGeom>
-        </p:spPr>
-      </p:pic>
-      <p:pic>
-        <p:nvPicPr>
-          <p:cNvPr id="1102090735" name="" hidden="0"/>
-          <p:cNvPicPr>
-            <a:picLocks noChangeAspect="1"/>
-          </p:cNvPicPr>
-          <p:nvPr isPhoto="0" userDrawn="0"/>
-        </p:nvPicPr>
-        <p:blipFill>
-          <a:blip r:embed="rId8"/>
-          <a:stretch/>
-        </p:blipFill>
-        <p:spPr bwMode="auto">
-          <a:xfrm flipH="0" flipV="0">
-            <a:off x="20646496" y="32448499"/>
-            <a:ext cx="5102562" cy="2913831"/>
+        <p:spPr>
+          <a:xfrm>
+            <a:off x="20699098" y="27416235"/>
+            <a:ext cx="6554115" cy="5344271"/>
           </a:xfrm>
           <a:prstGeom prst="rect">
             <a:avLst/>
@@ -12325,19 +12081,11 @@
   <p:clrMapOvr>
     <a:masterClrMapping/>
   </p:clrMapOvr>
-  <mc:AlternateContent xmlns:mc="http://schemas.openxmlformats.org/markup-compatibility/2006">
-    <mc:Choice xmlns:p14="http://schemas.microsoft.com/office/powerpoint/2010/main" Requires="p14">
-      <p:transition p14:dur="2000" advClick="1"/>
-    </mc:Choice>
-    <mc:Fallback>
-      <p:transition advClick="1"/>
-    </mc:Fallback>
-  </mc:AlternateContent>
 </p:sld>
 </file>
 
 <file path=ppt/theme/theme1.xml><?xml version="1.0" encoding="utf-8"?>
-<a:theme xmlns:a="http://schemas.openxmlformats.org/drawingml/2006/main" xmlns:r="http://schemas.openxmlformats.org/officeDocument/2006/relationships" xmlns:p="http://schemas.openxmlformats.org/presentationml/2006/main" name="Tema de Office">
+<a:theme xmlns:a="http://schemas.openxmlformats.org/drawingml/2006/main" name="Tema de Office">
   <a:themeElements>
     <a:clrScheme name="Tema de Office">
       <a:dk1>
@@ -12538,5 +12286,6 @@
     </a:fmtScheme>
   </a:themeElements>
   <a:objectDefaults/>
+  <a:extraClrSchemeLst/>
 </a:theme>
 </file>